--- a/teaching/2022_spring_Math_II_ppt/3.3 高阶导数.pptx
+++ b/teaching/2022_spring_Math_II_ppt/3.3 高阶导数.pptx
@@ -13734,8 +13734,8 @@
           <a:chExt cx="0" cy="0"/>
         </a:xfrm>
       </p:grpSpPr>
-      <mc:AlternateContent xmlns:mc="http://schemas.openxmlformats.org/markup-compatibility/2006" xmlns:a14="http://schemas.microsoft.com/office/drawing/2010/main">
-        <mc:Choice Requires="a14">
+      <mc:AlternateContent xmlns:mc="http://schemas.openxmlformats.org/markup-compatibility/2006">
+        <mc:Choice xmlns:a14="http://schemas.microsoft.com/office/drawing/2010/main" Requires="a14">
           <p:sp>
             <p:nvSpPr>
               <p:cNvPr id="4" name="文本占位符 3"/>
@@ -14779,155 +14779,186 @@
                           </m:ctrlPr>
                         </m:dPr>
                         <m:e>
-                          <m:m>
-                            <m:mPr>
-                              <m:plcHide m:val="on"/>
-                              <m:mcs>
-                                <m:mc>
-                                  <m:mcPr>
-                                    <m:count m:val="2"/>
-                                    <m:mcJc m:val="center"/>
-                                  </m:mcPr>
-                                </m:mc>
-                              </m:mcs>
+                          <m:eqArr>
+                            <m:eqArrPr>
                               <m:ctrlPr>
                                 <a:rPr lang="en-US" altLang="zh-CN" b="0" i="1" smtClean="0">
                                   <a:latin typeface="Cambria Math" panose="02040503050406030204" pitchFamily="18" charset="0"/>
                                 </a:rPr>
                               </m:ctrlPr>
-                            </m:mPr>
-                            <m:mr>
-                              <m:e>
-                                <m:sSup>
-                                  <m:sSupPr>
-                                    <m:ctrlPr>
-                                      <a:rPr lang="en-US" altLang="zh-CN" b="0" i="1" smtClean="0">
-                                        <a:latin typeface="Cambria Math" panose="02040503050406030204" pitchFamily="18" charset="0"/>
-                                      </a:rPr>
-                                    </m:ctrlPr>
-                                  </m:sSupPr>
-                                  <m:e>
-                                    <m:d>
-                                      <m:dPr>
-                                        <m:ctrlPr>
-                                          <a:rPr lang="en-US" altLang="zh-CN" b="0" i="1" smtClean="0">
-                                            <a:latin typeface="Cambria Math" panose="02040503050406030204" pitchFamily="18" charset="0"/>
-                                          </a:rPr>
-                                        </m:ctrlPr>
-                                      </m:dPr>
-                                      <m:e>
-                                        <m:r>
-                                          <a:rPr lang="en-US" altLang="zh-CN" b="0" i="1" smtClean="0">
-                                            <a:latin typeface="Cambria Math" panose="02040503050406030204" pitchFamily="18" charset="0"/>
-                                          </a:rPr>
-                                          <m:t>−1</m:t>
-                                        </m:r>
-                                      </m:e>
-                                    </m:d>
-                                  </m:e>
-                                  <m:sup>
-                                    <m:r>
-                                      <a:rPr lang="en-US" altLang="zh-CN" b="0" i="1" smtClean="0">
-                                        <a:latin typeface="Cambria Math" panose="02040503050406030204" pitchFamily="18" charset="0"/>
-                                      </a:rPr>
-                                      <m:t>𝑚</m:t>
-                                    </m:r>
-                                  </m:sup>
-                                </m:sSup>
-                                <m:d>
-                                  <m:dPr>
-                                    <m:ctrlPr>
-                                      <a:rPr lang="en-US" altLang="zh-CN" b="0" i="1" smtClean="0">
-                                        <a:latin typeface="Cambria Math" panose="02040503050406030204" pitchFamily="18" charset="0"/>
-                                      </a:rPr>
-                                    </m:ctrlPr>
-                                  </m:dPr>
-                                  <m:e>
-                                    <m:r>
-                                      <a:rPr lang="en-US" altLang="zh-CN" b="0" i="1" smtClean="0">
-                                        <a:latin typeface="Cambria Math" panose="02040503050406030204" pitchFamily="18" charset="0"/>
-                                      </a:rPr>
-                                      <m:t>2</m:t>
-                                    </m:r>
-                                    <m:r>
-                                      <a:rPr lang="en-US" altLang="zh-CN" b="0" i="1" smtClean="0">
-                                        <a:latin typeface="Cambria Math" panose="02040503050406030204" pitchFamily="18" charset="0"/>
-                                      </a:rPr>
-                                      <m:t>𝑚</m:t>
-                                    </m:r>
-                                  </m:e>
-                                </m:d>
-                                <m:r>
-                                  <a:rPr lang="en-US" altLang="zh-CN" b="0" i="1" smtClean="0">
-                                    <a:latin typeface="Cambria Math" panose="02040503050406030204" pitchFamily="18" charset="0"/>
-                                  </a:rPr>
-                                  <m:t>!,</m:t>
-                                </m:r>
-                              </m:e>
-                              <m:e>
-                                <m:r>
-                                  <a:rPr lang="en-US" altLang="zh-CN" b="0" i="1" smtClean="0">
-                                    <a:latin typeface="Cambria Math" panose="02040503050406030204" pitchFamily="18" charset="0"/>
-                                  </a:rPr>
-                                  <m:t>𝑛</m:t>
-                                </m:r>
-                                <m:r>
-                                  <a:rPr lang="en-US" altLang="zh-CN" b="0" i="1" smtClean="0">
-                                    <a:latin typeface="Cambria Math" panose="02040503050406030204" pitchFamily="18" charset="0"/>
-                                  </a:rPr>
-                                  <m:t>=2</m:t>
-                                </m:r>
-                                <m:r>
-                                  <a:rPr lang="en-US" altLang="zh-CN" b="0" i="1" smtClean="0">
-                                    <a:latin typeface="Cambria Math" panose="02040503050406030204" pitchFamily="18" charset="0"/>
-                                  </a:rPr>
-                                  <m:t>𝑚</m:t>
-                                </m:r>
-                                <m:r>
-                                  <a:rPr lang="en-US" altLang="zh-CN" b="0" i="1" smtClean="0">
-                                    <a:latin typeface="Cambria Math" panose="02040503050406030204" pitchFamily="18" charset="0"/>
-                                  </a:rPr>
-                                  <m:t>+1,</m:t>
-                                </m:r>
-                              </m:e>
-                            </m:mr>
-                            <m:mr>
-                              <m:e>
-                                <m:r>
-                                  <a:rPr lang="en-US" altLang="zh-CN" b="0" i="1" smtClean="0">
-                                    <a:latin typeface="Cambria Math" panose="02040503050406030204" pitchFamily="18" charset="0"/>
-                                  </a:rPr>
-                                  <m:t>0,</m:t>
-                                </m:r>
-                              </m:e>
-                              <m:e>
-                                <m:r>
-                                  <a:rPr lang="en-US" altLang="zh-CN" b="0" i="1" smtClean="0">
-                                    <a:latin typeface="Cambria Math" panose="02040503050406030204" pitchFamily="18" charset="0"/>
-                                  </a:rPr>
-                                  <m:t>𝑛</m:t>
-                                </m:r>
-                                <m:r>
-                                  <a:rPr lang="en-US" altLang="zh-CN" b="0" i="1" smtClean="0">
-                                    <a:latin typeface="Cambria Math" panose="02040503050406030204" pitchFamily="18" charset="0"/>
-                                  </a:rPr>
-                                  <m:t>=2</m:t>
-                                </m:r>
-                                <m:r>
-                                  <a:rPr lang="en-US" altLang="zh-CN" b="0" i="1" smtClean="0">
-                                    <a:latin typeface="Cambria Math" panose="02040503050406030204" pitchFamily="18" charset="0"/>
-                                  </a:rPr>
-                                  <m:t>𝑚</m:t>
-                                </m:r>
-                                <m:r>
-                                  <a:rPr lang="en-US" altLang="zh-CN" b="0" i="1" smtClean="0">
-                                    <a:latin typeface="Cambria Math" panose="02040503050406030204" pitchFamily="18" charset="0"/>
-                                  </a:rPr>
-                                  <m:t>,</m:t>
-                                </m:r>
-                              </m:e>
-                            </m:mr>
-                          </m:m>
+                            </m:eqArrPr>
+                            <m:e>
+                              <m:r>
+                                <a:rPr lang="en-US" altLang="zh-CN" b="0" i="1" smtClean="0">
+                                  <a:latin typeface="Cambria Math" panose="02040503050406030204" pitchFamily="18" charset="0"/>
+                                </a:rPr>
+                                <m:t>&amp;</m:t>
+                              </m:r>
+                              <m:sSup>
+                                <m:sSupPr>
+                                  <m:ctrlPr>
+                                    <a:rPr lang="en-US" altLang="zh-CN" b="0" i="1" smtClean="0">
+                                      <a:latin typeface="Cambria Math" panose="02040503050406030204" pitchFamily="18" charset="0"/>
+                                    </a:rPr>
+                                  </m:ctrlPr>
+                                </m:sSupPr>
+                                <m:e>
+                                  <m:d>
+                                    <m:dPr>
+                                      <m:ctrlPr>
+                                        <a:rPr lang="en-US" altLang="zh-CN" b="0" i="1" smtClean="0">
+                                          <a:latin typeface="Cambria Math" panose="02040503050406030204" pitchFamily="18" charset="0"/>
+                                        </a:rPr>
+                                      </m:ctrlPr>
+                                    </m:dPr>
+                                    <m:e>
+                                      <m:r>
+                                        <a:rPr lang="en-US" altLang="zh-CN" b="0" i="1" smtClean="0">
+                                          <a:latin typeface="Cambria Math" panose="02040503050406030204" pitchFamily="18" charset="0"/>
+                                        </a:rPr>
+                                        <m:t>−1</m:t>
+                                      </m:r>
+                                    </m:e>
+                                  </m:d>
+                                </m:e>
+                                <m:sup>
+                                  <m:r>
+                                    <a:rPr lang="en-US" altLang="zh-CN" b="0" i="1" smtClean="0">
+                                      <a:latin typeface="Cambria Math" panose="02040503050406030204" pitchFamily="18" charset="0"/>
+                                    </a:rPr>
+                                    <m:t>𝑚</m:t>
+                                  </m:r>
+                                </m:sup>
+                              </m:sSup>
+                              <m:d>
+                                <m:dPr>
+                                  <m:ctrlPr>
+                                    <a:rPr lang="en-US" altLang="zh-CN" b="0" i="1" smtClean="0">
+                                      <a:latin typeface="Cambria Math" panose="02040503050406030204" pitchFamily="18" charset="0"/>
+                                    </a:rPr>
+                                  </m:ctrlPr>
+                                </m:dPr>
+                                <m:e>
+                                  <m:r>
+                                    <a:rPr lang="en-US" altLang="zh-CN" b="0" i="1" smtClean="0">
+                                      <a:latin typeface="Cambria Math" panose="02040503050406030204" pitchFamily="18" charset="0"/>
+                                    </a:rPr>
+                                    <m:t>2</m:t>
+                                  </m:r>
+                                  <m:r>
+                                    <a:rPr lang="en-US" altLang="zh-CN" b="0" i="1" smtClean="0">
+                                      <a:latin typeface="Cambria Math" panose="02040503050406030204" pitchFamily="18" charset="0"/>
+                                    </a:rPr>
+                                    <m:t>𝑚</m:t>
+                                  </m:r>
+                                </m:e>
+                              </m:d>
+                              <m:r>
+                                <a:rPr lang="en-US" altLang="zh-CN" b="0" i="1" smtClean="0">
+                                  <a:latin typeface="Cambria Math" panose="02040503050406030204" pitchFamily="18" charset="0"/>
+                                </a:rPr>
+                                <m:t>!,</m:t>
+                              </m:r>
+                              <m:r>
+                                <a:rPr lang="en-US" altLang="zh-CN" b="0" i="1" smtClean="0">
+                                  <a:latin typeface="Cambria Math" panose="02040503050406030204" pitchFamily="18" charset="0"/>
+                                </a:rPr>
+                                <m:t>&amp;</m:t>
+                              </m:r>
+                              <m:r>
+                                <a:rPr lang="en-US" altLang="zh-CN" b="0" i="1" smtClean="0">
+                                  <a:latin typeface="Cambria Math" panose="02040503050406030204" pitchFamily="18" charset="0"/>
+                                </a:rPr>
+                                <m:t>&amp;</m:t>
+                              </m:r>
+                              <m:r>
+                                <a:rPr lang="en-US" altLang="zh-CN" b="0" i="1" smtClean="0">
+                                  <a:latin typeface="Cambria Math" panose="02040503050406030204" pitchFamily="18" charset="0"/>
+                                </a:rPr>
+                                <m:t> </m:t>
+                              </m:r>
+                              <m:r>
+                                <a:rPr lang="en-US" altLang="zh-CN" b="0" i="1" smtClean="0">
+                                  <a:latin typeface="Cambria Math" panose="02040503050406030204" pitchFamily="18" charset="0"/>
+                                </a:rPr>
+                                <m:t>𝑛</m:t>
+                              </m:r>
+                              <m:r>
+                                <a:rPr lang="en-US" altLang="zh-CN" b="0" i="1" smtClean="0">
+                                  <a:latin typeface="Cambria Math" panose="02040503050406030204" pitchFamily="18" charset="0"/>
+                                </a:rPr>
+                                <m:t>=2</m:t>
+                              </m:r>
+                              <m:r>
+                                <a:rPr lang="en-US" altLang="zh-CN" b="0" i="1" smtClean="0">
+                                  <a:latin typeface="Cambria Math" panose="02040503050406030204" pitchFamily="18" charset="0"/>
+                                </a:rPr>
+                                <m:t>𝑚</m:t>
+                              </m:r>
+                              <m:r>
+                                <a:rPr lang="en-US" altLang="zh-CN" b="0" i="1" smtClean="0">
+                                  <a:latin typeface="Cambria Math" panose="02040503050406030204" pitchFamily="18" charset="0"/>
+                                </a:rPr>
+                                <m:t>+1,</m:t>
+                              </m:r>
+                            </m:e>
+                            <m:e>
+                              <m:r>
+                                <a:rPr lang="en-US" altLang="zh-CN" b="0" i="1" smtClean="0">
+                                  <a:latin typeface="Cambria Math" panose="02040503050406030204" pitchFamily="18" charset="0"/>
+                                </a:rPr>
+                                <m:t>&amp;</m:t>
+                              </m:r>
+                              <m:r>
+                                <a:rPr lang="en-US" altLang="zh-CN" b="0" i="1" smtClean="0">
+                                  <a:latin typeface="Cambria Math" panose="02040503050406030204" pitchFamily="18" charset="0"/>
+                                </a:rPr>
+                                <m:t>0,</m:t>
+                              </m:r>
+                              <m:r>
+                                <a:rPr lang="en-US" altLang="zh-CN" b="0" i="1" smtClean="0">
+                                  <a:latin typeface="Cambria Math" panose="02040503050406030204" pitchFamily="18" charset="0"/>
+                                </a:rPr>
+                                <m:t>&amp;</m:t>
+                              </m:r>
+                              <m:r>
+                                <a:rPr lang="en-US" altLang="zh-CN" b="0" i="1" smtClean="0">
+                                  <a:latin typeface="Cambria Math" panose="02040503050406030204" pitchFamily="18" charset="0"/>
+                                </a:rPr>
+                                <m:t>&amp;</m:t>
+                              </m:r>
+                              <m:r>
+                                <a:rPr lang="en-US" altLang="zh-CN" b="0" i="1" smtClean="0">
+                                  <a:latin typeface="Cambria Math" panose="02040503050406030204" pitchFamily="18" charset="0"/>
+                                </a:rPr>
+                                <m:t> </m:t>
+                              </m:r>
+                              <m:r>
+                                <a:rPr lang="en-US" altLang="zh-CN" b="0" i="1" smtClean="0">
+                                  <a:latin typeface="Cambria Math" panose="02040503050406030204" pitchFamily="18" charset="0"/>
+                                </a:rPr>
+                                <m:t>𝑛</m:t>
+                              </m:r>
+                              <m:r>
+                                <a:rPr lang="en-US" altLang="zh-CN" b="0" i="1" smtClean="0">
+                                  <a:latin typeface="Cambria Math" panose="02040503050406030204" pitchFamily="18" charset="0"/>
+                                </a:rPr>
+                                <m:t>=2</m:t>
+                              </m:r>
+                              <m:r>
+                                <a:rPr lang="en-US" altLang="zh-CN" b="0" i="1" smtClean="0">
+                                  <a:latin typeface="Cambria Math" panose="02040503050406030204" pitchFamily="18" charset="0"/>
+                                </a:rPr>
+                                <m:t>𝑚</m:t>
+                              </m:r>
+                              <m:r>
+                                <a:rPr lang="en-US" altLang="zh-CN" b="0" i="1" smtClean="0">
+                                  <a:latin typeface="Cambria Math" panose="02040503050406030204" pitchFamily="18" charset="0"/>
+                                </a:rPr>
+                                <m:t>,</m:t>
+                              </m:r>
+                            </m:e>
+                          </m:eqArr>
                         </m:e>
                       </m:d>
                       <m:r>
@@ -14958,7 +14989,7 @@
             </p:txBody>
           </p:sp>
         </mc:Choice>
-        <mc:Fallback xmlns="">
+        <mc:Fallback>
           <p:sp>
             <p:nvSpPr>
               <p:cNvPr id="4" name="文本占位符 3"/>
@@ -15482,8 +15513,8 @@
           <a:chExt cx="0" cy="0"/>
         </a:xfrm>
       </p:grpSpPr>
-      <mc:AlternateContent xmlns:mc="http://schemas.openxmlformats.org/markup-compatibility/2006" xmlns:a14="http://schemas.microsoft.com/office/drawing/2010/main">
-        <mc:Choice Requires="a14">
+      <mc:AlternateContent xmlns:mc="http://schemas.openxmlformats.org/markup-compatibility/2006">
+        <mc:Choice xmlns:a14="http://schemas.microsoft.com/office/drawing/2010/main" Requires="a14">
           <p:sp>
             <p:nvSpPr>
               <p:cNvPr id="4" name="文本占位符 3"/>
@@ -15700,14 +15731,14 @@
                     <m:sSup>
                       <m:sSupPr>
                         <m:ctrlPr>
-                          <a:rPr lang="en-US" altLang="zh-CN" b="0" i="1" smtClean="0">
+                          <a:rPr lang="en-US" altLang="zh-CN" sz="2800" b="0" i="1" smtClean="0">
                             <a:latin typeface="Cambria Math" panose="02040503050406030204" pitchFamily="18" charset="0"/>
                           </a:rPr>
                         </m:ctrlPr>
                       </m:sSupPr>
                       <m:e>
                         <m:r>
-                          <a:rPr lang="en-US" altLang="zh-CN" b="0" i="1" smtClean="0">
+                          <a:rPr lang="en-US" altLang="zh-CN" sz="2800" b="0" i="1" smtClean="0">
                             <a:latin typeface="Cambria Math" panose="02040503050406030204" pitchFamily="18" charset="0"/>
                           </a:rPr>
                           <m:t>𝑦</m:t>
@@ -15717,14 +15748,14 @@
                         <m:d>
                           <m:dPr>
                             <m:ctrlPr>
-                              <a:rPr lang="en-US" altLang="zh-CN" b="0" i="1" smtClean="0">
+                              <a:rPr lang="en-US" altLang="zh-CN" sz="2800" b="0" i="1" smtClean="0">
                                 <a:latin typeface="Cambria Math" panose="02040503050406030204" pitchFamily="18" charset="0"/>
                               </a:rPr>
                             </m:ctrlPr>
                           </m:dPr>
                           <m:e>
                             <m:r>
-                              <a:rPr lang="en-US" altLang="zh-CN" b="0" i="1" smtClean="0">
+                              <a:rPr lang="en-US" altLang="zh-CN" sz="2800" b="0" i="1" smtClean="0">
                                 <a:latin typeface="Cambria Math" panose="02040503050406030204" pitchFamily="18" charset="0"/>
                               </a:rPr>
                               <m:t>𝑛</m:t>
@@ -15734,7 +15765,7 @@
                       </m:sup>
                     </m:sSup>
                     <m:r>
-                      <a:rPr lang="en-US" altLang="zh-CN" b="0" i="1" smtClean="0">
+                      <a:rPr lang="en-US" altLang="zh-CN" sz="2800" b="0" i="1" smtClean="0">
                         <a:latin typeface="Cambria Math" panose="02040503050406030204" pitchFamily="18" charset="0"/>
                       </a:rPr>
                       <m:t>=</m:t>
@@ -15742,7 +15773,7 @@
                     <m:f>
                       <m:fPr>
                         <m:ctrlPr>
-                          <a:rPr lang="en-US" altLang="zh-CN" b="0" i="1" smtClean="0">
+                          <a:rPr lang="en-US" altLang="zh-CN" sz="2800" b="0" i="1" smtClean="0">
                             <a:latin typeface="Cambria Math" panose="02040503050406030204" pitchFamily="18" charset="0"/>
                           </a:rPr>
                         </m:ctrlPr>
@@ -15751,7 +15782,7 @@
                         <m:sSup>
                           <m:sSupPr>
                             <m:ctrlPr>
-                              <a:rPr lang="en-US" altLang="zh-CN" b="0" i="1" smtClean="0">
+                              <a:rPr lang="en-US" altLang="zh-CN" sz="2800" b="0" i="1" smtClean="0">
                                 <a:latin typeface="Cambria Math" panose="02040503050406030204" pitchFamily="18" charset="0"/>
                               </a:rPr>
                             </m:ctrlPr>
@@ -15760,14 +15791,14 @@
                             <m:d>
                               <m:dPr>
                                 <m:ctrlPr>
-                                  <a:rPr lang="en-US" altLang="zh-CN" b="0" i="1" smtClean="0">
+                                  <a:rPr lang="en-US" altLang="zh-CN" sz="2800" b="0" i="1" smtClean="0">
                                     <a:latin typeface="Cambria Math" panose="02040503050406030204" pitchFamily="18" charset="0"/>
                                   </a:rPr>
                                 </m:ctrlPr>
                               </m:dPr>
                               <m:e>
                                 <m:r>
-                                  <a:rPr lang="en-US" altLang="zh-CN" b="0" i="1" smtClean="0">
+                                  <a:rPr lang="en-US" altLang="zh-CN" sz="2800" b="0" i="1" smtClean="0">
                                     <a:latin typeface="Cambria Math" panose="02040503050406030204" pitchFamily="18" charset="0"/>
                                   </a:rPr>
                                   <m:t>−1</m:t>
@@ -15777,13 +15808,13 @@
                           </m:e>
                           <m:sup>
                             <m:r>
-                              <a:rPr lang="en-US" altLang="zh-CN" b="0" i="1" smtClean="0">
+                              <a:rPr lang="en-US" altLang="zh-CN" sz="2800" b="0" i="1" smtClean="0">
                                 <a:latin typeface="Cambria Math" panose="02040503050406030204" pitchFamily="18" charset="0"/>
                               </a:rPr>
                               <m:t>𝑛</m:t>
                             </m:r>
                             <m:r>
-                              <a:rPr lang="en-US" altLang="zh-CN" b="0" i="1" smtClean="0">
+                              <a:rPr lang="en-US" altLang="zh-CN" sz="2800" b="0" i="1" smtClean="0">
                                 <a:latin typeface="Cambria Math" panose="02040503050406030204" pitchFamily="18" charset="0"/>
                               </a:rPr>
                               <m:t>+1</m:t>
@@ -15793,7 +15824,7 @@
                       </m:num>
                       <m:den>
                         <m:r>
-                          <a:rPr lang="en-US" altLang="zh-CN" b="0" i="1" smtClean="0">
+                          <a:rPr lang="en-US" altLang="zh-CN" sz="2800" b="0" i="1" smtClean="0">
                             <a:latin typeface="Cambria Math" panose="02040503050406030204" pitchFamily="18" charset="0"/>
                           </a:rPr>
                           <m:t>2</m:t>
@@ -15802,7 +15833,7 @@
                           <m:rPr>
                             <m:sty m:val="p"/>
                           </m:rPr>
-                          <a:rPr lang="en-US" altLang="zh-CN" b="0" i="0" smtClean="0">
+                          <a:rPr lang="en-US" altLang="zh-CN" sz="2800" b="0" i="0" smtClean="0">
                             <a:latin typeface="Cambria Math" panose="02040503050406030204" pitchFamily="18" charset="0"/>
                           </a:rPr>
                           <m:t>i</m:t>
@@ -15812,7 +15843,7 @@
                     <m:d>
                       <m:dPr>
                         <m:ctrlPr>
-                          <a:rPr lang="en-US" altLang="zh-CN" b="0" i="1" smtClean="0">
+                          <a:rPr lang="en-US" altLang="zh-CN" sz="2800" b="0" i="1" smtClean="0">
                             <a:latin typeface="Cambria Math" panose="02040503050406030204" pitchFamily="18" charset="0"/>
                           </a:rPr>
                         </m:ctrlPr>
@@ -15821,14 +15852,14 @@
                         <m:f>
                           <m:fPr>
                             <m:ctrlPr>
-                              <a:rPr lang="en-US" altLang="zh-CN" i="1">
+                              <a:rPr lang="en-US" altLang="zh-CN" sz="2800" i="1">
                                 <a:latin typeface="Cambria Math" panose="02040503050406030204" pitchFamily="18" charset="0"/>
                               </a:rPr>
                             </m:ctrlPr>
                           </m:fPr>
                           <m:num>
                             <m:r>
-                              <a:rPr lang="en-US" altLang="zh-CN" i="1">
+                              <a:rPr lang="en-US" altLang="zh-CN" sz="2800" i="1">
                                 <a:latin typeface="Cambria Math" panose="02040503050406030204" pitchFamily="18" charset="0"/>
                               </a:rPr>
                               <m:t>1</m:t>
@@ -15838,7 +15869,7 @@
                             <m:sSup>
                               <m:sSupPr>
                                 <m:ctrlPr>
-                                  <a:rPr lang="en-US" altLang="zh-CN" b="0" i="1" smtClean="0">
+                                  <a:rPr lang="en-US" altLang="zh-CN" sz="2800" b="0" i="1" smtClean="0">
                                     <a:latin typeface="Cambria Math" panose="02040503050406030204" pitchFamily="18" charset="0"/>
                                   </a:rPr>
                                 </m:ctrlPr>
@@ -15847,20 +15878,20 @@
                                 <m:d>
                                   <m:dPr>
                                     <m:ctrlPr>
-                                      <a:rPr lang="en-US" altLang="zh-CN" b="0" i="1" smtClean="0">
+                                      <a:rPr lang="en-US" altLang="zh-CN" sz="2800" b="0" i="1" smtClean="0">
                                         <a:latin typeface="Cambria Math" panose="02040503050406030204" pitchFamily="18" charset="0"/>
                                       </a:rPr>
                                     </m:ctrlPr>
                                   </m:dPr>
                                   <m:e>
                                     <m:r>
-                                      <a:rPr lang="en-US" altLang="zh-CN" i="1">
+                                      <a:rPr lang="en-US" altLang="zh-CN" sz="2800" i="1">
                                         <a:latin typeface="Cambria Math" panose="02040503050406030204" pitchFamily="18" charset="0"/>
                                       </a:rPr>
                                       <m:t>𝑥</m:t>
                                     </m:r>
                                     <m:r>
-                                      <a:rPr lang="en-US" altLang="zh-CN" i="1">
+                                      <a:rPr lang="en-US" altLang="zh-CN" sz="2800" i="1">
                                         <a:latin typeface="Cambria Math" panose="02040503050406030204" pitchFamily="18" charset="0"/>
                                       </a:rPr>
                                       <m:t>−</m:t>
@@ -15869,7 +15900,7 @@
                                       <m:rPr>
                                         <m:sty m:val="p"/>
                                       </m:rPr>
-                                      <a:rPr lang="en-US" altLang="zh-CN" i="0">
+                                      <a:rPr lang="en-US" altLang="zh-CN" sz="2800" i="0">
                                         <a:latin typeface="Cambria Math" panose="02040503050406030204" pitchFamily="18" charset="0"/>
                                       </a:rPr>
                                       <m:t>i</m:t>
@@ -15879,7 +15910,7 @@
                               </m:e>
                               <m:sup>
                                 <m:r>
-                                  <a:rPr lang="en-US" altLang="zh-CN" b="0" i="1" smtClean="0">
+                                  <a:rPr lang="en-US" altLang="zh-CN" sz="2800" b="0" i="1" smtClean="0">
                                     <a:latin typeface="Cambria Math" panose="02040503050406030204" pitchFamily="18" charset="0"/>
                                   </a:rPr>
                                   <m:t>𝑛</m:t>
@@ -15889,7 +15920,7 @@
                           </m:den>
                         </m:f>
                         <m:r>
-                          <a:rPr lang="en-US" altLang="zh-CN" i="1">
+                          <a:rPr lang="en-US" altLang="zh-CN" sz="2800" i="1">
                             <a:latin typeface="Cambria Math" panose="02040503050406030204" pitchFamily="18" charset="0"/>
                           </a:rPr>
                           <m:t>−</m:t>
@@ -15897,14 +15928,14 @@
                         <m:f>
                           <m:fPr>
                             <m:ctrlPr>
-                              <a:rPr lang="en-US" altLang="zh-CN" i="1">
+                              <a:rPr lang="en-US" altLang="zh-CN" sz="2800" i="1">
                                 <a:latin typeface="Cambria Math" panose="02040503050406030204" pitchFamily="18" charset="0"/>
                               </a:rPr>
                             </m:ctrlPr>
                           </m:fPr>
                           <m:num>
                             <m:r>
-                              <a:rPr lang="en-US" altLang="zh-CN" i="1">
+                              <a:rPr lang="en-US" altLang="zh-CN" sz="2800" i="1">
                                 <a:latin typeface="Cambria Math" panose="02040503050406030204" pitchFamily="18" charset="0"/>
                               </a:rPr>
                               <m:t>1</m:t>
@@ -15914,7 +15945,7 @@
                             <m:sSup>
                               <m:sSupPr>
                                 <m:ctrlPr>
-                                  <a:rPr lang="en-US" altLang="zh-CN" b="0" i="1" smtClean="0">
+                                  <a:rPr lang="en-US" altLang="zh-CN" sz="2800" b="0" i="1" smtClean="0">
                                     <a:latin typeface="Cambria Math" panose="02040503050406030204" pitchFamily="18" charset="0"/>
                                   </a:rPr>
                                 </m:ctrlPr>
@@ -15923,20 +15954,20 @@
                                 <m:d>
                                   <m:dPr>
                                     <m:ctrlPr>
-                                      <a:rPr lang="en-US" altLang="zh-CN" b="0" i="1" smtClean="0">
+                                      <a:rPr lang="en-US" altLang="zh-CN" sz="2800" b="0" i="1" smtClean="0">
                                         <a:latin typeface="Cambria Math" panose="02040503050406030204" pitchFamily="18" charset="0"/>
                                       </a:rPr>
                                     </m:ctrlPr>
                                   </m:dPr>
                                   <m:e>
                                     <m:r>
-                                      <a:rPr lang="en-US" altLang="zh-CN" i="1">
+                                      <a:rPr lang="en-US" altLang="zh-CN" sz="2800" i="1">
                                         <a:latin typeface="Cambria Math" panose="02040503050406030204" pitchFamily="18" charset="0"/>
                                       </a:rPr>
                                       <m:t>𝑥</m:t>
                                     </m:r>
                                     <m:r>
-                                      <a:rPr lang="en-US" altLang="zh-CN" i="1">
+                                      <a:rPr lang="en-US" altLang="zh-CN" sz="2800" i="1">
                                         <a:latin typeface="Cambria Math" panose="02040503050406030204" pitchFamily="18" charset="0"/>
                                       </a:rPr>
                                       <m:t>+</m:t>
@@ -15945,7 +15976,7 @@
                                       <m:rPr>
                                         <m:sty m:val="p"/>
                                       </m:rPr>
-                                      <a:rPr lang="en-US" altLang="zh-CN" i="0">
+                                      <a:rPr lang="en-US" altLang="zh-CN" sz="2800" i="0">
                                         <a:latin typeface="Cambria Math" panose="02040503050406030204" pitchFamily="18" charset="0"/>
                                       </a:rPr>
                                       <m:t>i</m:t>
@@ -15955,7 +15986,7 @@
                               </m:e>
                               <m:sup>
                                 <m:r>
-                                  <a:rPr lang="en-US" altLang="zh-CN" b="0" i="1" smtClean="0">
+                                  <a:rPr lang="en-US" altLang="zh-CN" sz="2800" b="0" i="1" smtClean="0">
                                     <a:latin typeface="Cambria Math" panose="02040503050406030204" pitchFamily="18" charset="0"/>
                                   </a:rPr>
                                   <m:t>𝑛</m:t>
@@ -15967,7 +15998,7 @@
                       </m:e>
                     </m:d>
                     <m:r>
-                      <a:rPr lang="en-US" altLang="zh-CN" b="0" i="1" smtClean="0">
+                      <a:rPr lang="en-US" altLang="zh-CN" sz="2800" b="0" i="1" smtClean="0">
                         <a:latin typeface="Cambria Math" panose="02040503050406030204" pitchFamily="18" charset="0"/>
                       </a:rPr>
                       <m:t>=</m:t>
@@ -15975,7 +16006,7 @@
                     <m:f>
                       <m:fPr>
                         <m:ctrlPr>
-                          <a:rPr lang="en-US" altLang="zh-CN" i="1">
+                          <a:rPr lang="en-US" altLang="zh-CN" sz="2800" i="1">
                             <a:latin typeface="Cambria Math" panose="02040503050406030204" pitchFamily="18" charset="0"/>
                           </a:rPr>
                         </m:ctrlPr>
@@ -15984,7 +16015,7 @@
                         <m:sSup>
                           <m:sSupPr>
                             <m:ctrlPr>
-                              <a:rPr lang="en-US" altLang="zh-CN" i="1">
+                              <a:rPr lang="en-US" altLang="zh-CN" sz="2800" i="1">
                                 <a:latin typeface="Cambria Math" panose="02040503050406030204" pitchFamily="18" charset="0"/>
                               </a:rPr>
                             </m:ctrlPr>
@@ -15993,14 +16024,14 @@
                             <m:d>
                               <m:dPr>
                                 <m:ctrlPr>
-                                  <a:rPr lang="en-US" altLang="zh-CN" i="1">
+                                  <a:rPr lang="en-US" altLang="zh-CN" sz="2800" i="1">
                                     <a:latin typeface="Cambria Math" panose="02040503050406030204" pitchFamily="18" charset="0"/>
                                   </a:rPr>
                                 </m:ctrlPr>
                               </m:dPr>
                               <m:e>
                                 <m:r>
-                                  <a:rPr lang="en-US" altLang="zh-CN" i="1">
+                                  <a:rPr lang="en-US" altLang="zh-CN" sz="2800" i="1">
                                     <a:latin typeface="Cambria Math" panose="02040503050406030204" pitchFamily="18" charset="0"/>
                                   </a:rPr>
                                   <m:t>−1</m:t>
@@ -16010,13 +16041,13 @@
                           </m:e>
                           <m:sup>
                             <m:r>
-                              <a:rPr lang="en-US" altLang="zh-CN" i="1">
+                              <a:rPr lang="en-US" altLang="zh-CN" sz="2800" i="1">
                                 <a:latin typeface="Cambria Math" panose="02040503050406030204" pitchFamily="18" charset="0"/>
                               </a:rPr>
                               <m:t>𝑛</m:t>
                             </m:r>
                             <m:r>
-                              <a:rPr lang="en-US" altLang="zh-CN" i="1">
+                              <a:rPr lang="en-US" altLang="zh-CN" sz="2800" i="1">
                                 <a:latin typeface="Cambria Math" panose="02040503050406030204" pitchFamily="18" charset="0"/>
                               </a:rPr>
                               <m:t>+1</m:t>
@@ -16026,7 +16057,7 @@
                         <m:sSup>
                           <m:sSupPr>
                             <m:ctrlPr>
-                              <a:rPr lang="en-US" altLang="zh-CN" b="0" i="1" smtClean="0">
+                              <a:rPr lang="en-US" altLang="zh-CN" sz="2800" b="0" i="1" smtClean="0">
                                 <a:latin typeface="Cambria Math" panose="02040503050406030204" pitchFamily="18" charset="0"/>
                               </a:rPr>
                             </m:ctrlPr>
@@ -16035,7 +16066,7 @@
                             <m:d>
                               <m:dPr>
                                 <m:ctrlPr>
-                                  <a:rPr lang="en-US" altLang="zh-CN" b="0" i="1" smtClean="0">
+                                  <a:rPr lang="en-US" altLang="zh-CN" sz="2800" b="0" i="1" smtClean="0">
                                     <a:latin typeface="Cambria Math" panose="02040503050406030204" pitchFamily="18" charset="0"/>
                                   </a:rPr>
                                 </m:ctrlPr>
@@ -16044,14 +16075,14 @@
                                 <m:sSup>
                                   <m:sSupPr>
                                     <m:ctrlPr>
-                                      <a:rPr lang="en-US" altLang="zh-CN" b="0" i="1" smtClean="0">
+                                      <a:rPr lang="en-US" altLang="zh-CN" sz="2800" b="0" i="1" smtClean="0">
                                         <a:latin typeface="Cambria Math" panose="02040503050406030204" pitchFamily="18" charset="0"/>
                                       </a:rPr>
                                     </m:ctrlPr>
                                   </m:sSupPr>
                                   <m:e>
                                     <m:r>
-                                      <a:rPr lang="en-US" altLang="zh-CN" b="0" i="1" smtClean="0">
+                                      <a:rPr lang="en-US" altLang="zh-CN" sz="2800" b="0" i="1" smtClean="0">
                                         <a:latin typeface="Cambria Math" panose="02040503050406030204" pitchFamily="18" charset="0"/>
                                       </a:rPr>
                                       <m:t>𝑥</m:t>
@@ -16059,7 +16090,7 @@
                                   </m:e>
                                   <m:sup>
                                     <m:r>
-                                      <a:rPr lang="en-US" altLang="zh-CN" b="0" i="1" smtClean="0">
+                                      <a:rPr lang="en-US" altLang="zh-CN" sz="2800" b="0" i="1" smtClean="0">
                                         <a:latin typeface="Cambria Math" panose="02040503050406030204" pitchFamily="18" charset="0"/>
                                       </a:rPr>
                                       <m:t>2</m:t>
@@ -16067,7 +16098,7 @@
                                   </m:sup>
                                 </m:sSup>
                                 <m:r>
-                                  <a:rPr lang="en-US" altLang="zh-CN" b="0" i="1" smtClean="0">
+                                  <a:rPr lang="en-US" altLang="zh-CN" sz="2800" b="0" i="1" smtClean="0">
                                     <a:latin typeface="Cambria Math" panose="02040503050406030204" pitchFamily="18" charset="0"/>
                                   </a:rPr>
                                   <m:t>+1</m:t>
@@ -16079,14 +16110,14 @@
                             <m:f>
                               <m:fPr>
                                 <m:ctrlPr>
-                                  <a:rPr lang="en-US" altLang="zh-CN" b="0" i="1" smtClean="0">
+                                  <a:rPr lang="en-US" altLang="zh-CN" sz="2800" b="0" i="1" smtClean="0">
                                     <a:latin typeface="Cambria Math" panose="02040503050406030204" pitchFamily="18" charset="0"/>
                                   </a:rPr>
                                 </m:ctrlPr>
                               </m:fPr>
                               <m:num>
                                 <m:r>
-                                  <a:rPr lang="en-US" altLang="zh-CN" b="0" i="1" smtClean="0">
+                                  <a:rPr lang="en-US" altLang="zh-CN" sz="2800" b="0" i="1" smtClean="0">
                                     <a:latin typeface="Cambria Math" panose="02040503050406030204" pitchFamily="18" charset="0"/>
                                   </a:rPr>
                                   <m:t>𝑛</m:t>
@@ -16094,7 +16125,7 @@
                               </m:num>
                               <m:den>
                                 <m:r>
-                                  <a:rPr lang="en-US" altLang="zh-CN" b="0" i="1" smtClean="0">
+                                  <a:rPr lang="en-US" altLang="zh-CN" sz="2800" b="0" i="1" smtClean="0">
                                     <a:latin typeface="Cambria Math" panose="02040503050406030204" pitchFamily="18" charset="0"/>
                                   </a:rPr>
                                   <m:t>2</m:t>
@@ -16106,7 +16137,7 @@
                         <m:func>
                           <m:funcPr>
                             <m:ctrlPr>
-                              <a:rPr lang="en-US" altLang="zh-CN" b="0" i="1" smtClean="0">
+                              <a:rPr lang="en-US" altLang="zh-CN" sz="2800" b="0" i="1" smtClean="0">
                                 <a:latin typeface="Cambria Math" panose="02040503050406030204" pitchFamily="18" charset="0"/>
                               </a:rPr>
                             </m:ctrlPr>
@@ -16116,7 +16147,7 @@
                               <m:rPr>
                                 <m:sty m:val="p"/>
                               </m:rPr>
-                              <a:rPr lang="en-US" altLang="zh-CN" b="0" i="0" smtClean="0">
+                              <a:rPr lang="en-US" altLang="zh-CN" sz="2800" b="0" i="0" smtClean="0">
                                 <a:latin typeface="Cambria Math" panose="02040503050406030204" pitchFamily="18" charset="0"/>
                               </a:rPr>
                               <m:t>sin</m:t>
@@ -16126,14 +16157,14 @@
                             <m:d>
                               <m:dPr>
                                 <m:ctrlPr>
-                                  <a:rPr lang="en-US" altLang="zh-CN" b="0" i="1" smtClean="0">
+                                  <a:rPr lang="en-US" altLang="zh-CN" sz="2800" b="0" i="1" smtClean="0">
                                     <a:latin typeface="Cambria Math" panose="02040503050406030204" pitchFamily="18" charset="0"/>
                                   </a:rPr>
                                 </m:ctrlPr>
                               </m:dPr>
                               <m:e>
                                 <m:r>
-                                  <a:rPr lang="en-US" altLang="zh-CN" b="0" i="1" smtClean="0">
+                                  <a:rPr lang="en-US" altLang="zh-CN" sz="2800" b="0" i="1" smtClean="0">
                                     <a:latin typeface="Cambria Math" panose="02040503050406030204" pitchFamily="18" charset="0"/>
                                   </a:rPr>
                                   <m:t>𝑛</m:t>
@@ -16141,7 +16172,7 @@
                                 <m:func>
                                   <m:funcPr>
                                     <m:ctrlPr>
-                                      <a:rPr lang="en-US" altLang="zh-CN" b="0" i="1" smtClean="0">
+                                      <a:rPr lang="en-US" altLang="zh-CN" sz="2800" b="0" i="1" smtClean="0">
                                         <a:latin typeface="Cambria Math" panose="02040503050406030204" pitchFamily="18" charset="0"/>
                                       </a:rPr>
                                     </m:ctrlPr>
@@ -16151,7 +16182,7 @@
                                       <m:rPr>
                                         <m:sty m:val="p"/>
                                       </m:rPr>
-                                      <a:rPr lang="en-US" altLang="zh-CN" b="0" i="0" smtClean="0">
+                                      <a:rPr lang="en-US" altLang="zh-CN" sz="2800" b="0" i="0" smtClean="0">
                                         <a:latin typeface="Cambria Math" panose="02040503050406030204" pitchFamily="18" charset="0"/>
                                       </a:rPr>
                                       <m:t>arccos</m:t>
@@ -16161,14 +16192,14 @@
                                     <m:f>
                                       <m:fPr>
                                         <m:ctrlPr>
-                                          <a:rPr lang="en-US" altLang="zh-CN" b="0" i="1" smtClean="0">
+                                          <a:rPr lang="en-US" altLang="zh-CN" sz="2800" b="0" i="1" smtClean="0">
                                             <a:latin typeface="Cambria Math" panose="02040503050406030204" pitchFamily="18" charset="0"/>
                                           </a:rPr>
                                         </m:ctrlPr>
                                       </m:fPr>
                                       <m:num>
                                         <m:r>
-                                          <a:rPr lang="en-US" altLang="zh-CN" b="0" i="1" smtClean="0">
+                                          <a:rPr lang="en-US" altLang="zh-CN" sz="2800" b="0" i="1" smtClean="0">
                                             <a:latin typeface="Cambria Math" panose="02040503050406030204" pitchFamily="18" charset="0"/>
                                           </a:rPr>
                                           <m:t>𝑥</m:t>
@@ -16179,7 +16210,7 @@
                                           <m:radPr>
                                             <m:degHide m:val="on"/>
                                             <m:ctrlPr>
-                                              <a:rPr lang="en-US" altLang="zh-CN" b="0" i="1" smtClean="0">
+                                              <a:rPr lang="en-US" altLang="zh-CN" sz="2800" b="0" i="1" smtClean="0">
                                                 <a:latin typeface="Cambria Math" panose="02040503050406030204" pitchFamily="18" charset="0"/>
                                               </a:rPr>
                                             </m:ctrlPr>
@@ -16189,14 +16220,14 @@
                                             <m:sSup>
                                               <m:sSupPr>
                                                 <m:ctrlPr>
-                                                  <a:rPr lang="en-US" altLang="zh-CN" b="0" i="1" smtClean="0">
+                                                  <a:rPr lang="en-US" altLang="zh-CN" sz="2800" b="0" i="1" smtClean="0">
                                                     <a:latin typeface="Cambria Math" panose="02040503050406030204" pitchFamily="18" charset="0"/>
                                                   </a:rPr>
                                                 </m:ctrlPr>
                                               </m:sSupPr>
                                               <m:e>
                                                 <m:r>
-                                                  <a:rPr lang="en-US" altLang="zh-CN" b="0" i="1" smtClean="0">
+                                                  <a:rPr lang="en-US" altLang="zh-CN" sz="2800" b="0" i="1" smtClean="0">
                                                     <a:latin typeface="Cambria Math" panose="02040503050406030204" pitchFamily="18" charset="0"/>
                                                   </a:rPr>
                                                   <m:t>𝑥</m:t>
@@ -16204,7 +16235,7 @@
                                               </m:e>
                                               <m:sup>
                                                 <m:r>
-                                                  <a:rPr lang="en-US" altLang="zh-CN" b="0" i="1" smtClean="0">
+                                                  <a:rPr lang="en-US" altLang="zh-CN" sz="2800" b="0" i="1" smtClean="0">
                                                     <a:latin typeface="Cambria Math" panose="02040503050406030204" pitchFamily="18" charset="0"/>
                                                   </a:rPr>
                                                   <m:t>2</m:t>
@@ -16212,7 +16243,7 @@
                                               </m:sup>
                                             </m:sSup>
                                             <m:r>
-                                              <a:rPr lang="en-US" altLang="zh-CN" b="0" i="1" smtClean="0">
+                                              <a:rPr lang="en-US" altLang="zh-CN" sz="2800" b="0" i="1" smtClean="0">
                                                 <a:latin typeface="Cambria Math" panose="02040503050406030204" pitchFamily="18" charset="0"/>
                                               </a:rPr>
                                               <m:t>+1</m:t>
@@ -16232,7 +16263,7 @@
                         <m:sSup>
                           <m:sSupPr>
                             <m:ctrlPr>
-                              <a:rPr lang="en-US" altLang="zh-CN" b="0" i="1" smtClean="0">
+                              <a:rPr lang="en-US" altLang="zh-CN" sz="2800" b="0" i="1" smtClean="0">
                                 <a:latin typeface="Cambria Math" panose="02040503050406030204" pitchFamily="18" charset="0"/>
                               </a:rPr>
                             </m:ctrlPr>
@@ -16241,7 +16272,7 @@
                             <m:d>
                               <m:dPr>
                                 <m:ctrlPr>
-                                  <a:rPr lang="en-US" altLang="zh-CN" b="0" i="1" smtClean="0">
+                                  <a:rPr lang="en-US" altLang="zh-CN" sz="2800" b="0" i="1" smtClean="0">
                                     <a:latin typeface="Cambria Math" panose="02040503050406030204" pitchFamily="18" charset="0"/>
                                   </a:rPr>
                                 </m:ctrlPr>
@@ -16250,14 +16281,14 @@
                                 <m:sSup>
                                   <m:sSupPr>
                                     <m:ctrlPr>
-                                      <a:rPr lang="en-US" altLang="zh-CN" b="0" i="1" smtClean="0">
+                                      <a:rPr lang="en-US" altLang="zh-CN" sz="2800" b="0" i="1" smtClean="0">
                                         <a:latin typeface="Cambria Math" panose="02040503050406030204" pitchFamily="18" charset="0"/>
                                       </a:rPr>
                                     </m:ctrlPr>
                                   </m:sSupPr>
                                   <m:e>
                                     <m:r>
-                                      <a:rPr lang="en-US" altLang="zh-CN" b="0" i="1" smtClean="0">
+                                      <a:rPr lang="en-US" altLang="zh-CN" sz="2800" b="0" i="1" smtClean="0">
                                         <a:latin typeface="Cambria Math" panose="02040503050406030204" pitchFamily="18" charset="0"/>
                                       </a:rPr>
                                       <m:t>𝑥</m:t>
@@ -16265,7 +16296,7 @@
                                   </m:e>
                                   <m:sup>
                                     <m:r>
-                                      <a:rPr lang="en-US" altLang="zh-CN" b="0" i="1" smtClean="0">
+                                      <a:rPr lang="en-US" altLang="zh-CN" sz="2800" b="0" i="1" smtClean="0">
                                         <a:latin typeface="Cambria Math" panose="02040503050406030204" pitchFamily="18" charset="0"/>
                                       </a:rPr>
                                       <m:t>2</m:t>
@@ -16273,7 +16304,7 @@
                                   </m:sup>
                                 </m:sSup>
                                 <m:r>
-                                  <a:rPr lang="en-US" altLang="zh-CN" b="0" i="1" smtClean="0">
+                                  <a:rPr lang="en-US" altLang="zh-CN" sz="2800" b="0" i="1" smtClean="0">
                                     <a:latin typeface="Cambria Math" panose="02040503050406030204" pitchFamily="18" charset="0"/>
                                   </a:rPr>
                                   <m:t>+1</m:t>
@@ -16283,7 +16314,7 @@
                           </m:e>
                           <m:sup>
                             <m:r>
-                              <a:rPr lang="en-US" altLang="zh-CN" b="0" i="1" smtClean="0">
+                              <a:rPr lang="en-US" altLang="zh-CN" sz="2800" b="0" i="1" smtClean="0">
                                 <a:latin typeface="Cambria Math" panose="02040503050406030204" pitchFamily="18" charset="0"/>
                               </a:rPr>
                               <m:t>𝑛</m:t>
@@ -16293,7 +16324,7 @@
                       </m:den>
                     </m:f>
                     <m:r>
-                      <a:rPr lang="en-US" altLang="zh-CN" b="0" i="1" smtClean="0">
+                      <a:rPr lang="en-US" altLang="zh-CN" sz="2800" b="0" i="1" smtClean="0">
                         <a:latin typeface="Cambria Math" panose="02040503050406030204" pitchFamily="18" charset="0"/>
                       </a:rPr>
                       <m:t>.</m:t>
@@ -16312,14 +16343,11 @@
                   <a:t>类似地</a:t>
                 </a:r>
                 <a:r>
-                  <a:rPr lang="en-US" altLang="zh-CN" smtClean="0">
+                  <a:rPr lang="en-US" altLang="zh-CN" dirty="0" smtClean="0">
                     <a:latin typeface="Cambria Math" panose="02040503050406030204" pitchFamily="18" charset="0"/>
                   </a:rPr>
                   <a:t>,</a:t>
                 </a:r>
-                <a:endParaRPr lang="en-US" altLang="zh-CN" dirty="0" smtClean="0">
-                  <a:latin typeface="Cambria Math" panose="02040503050406030204" pitchFamily="18" charset="0"/>
-                </a:endParaRPr>
               </a:p>
               <a:p>
                 <a14:m>
@@ -16590,7 +16618,7 @@
             </p:txBody>
           </p:sp>
         </mc:Choice>
-        <mc:Fallback xmlns="">
+        <mc:Fallback>
           <p:sp>
             <p:nvSpPr>
               <p:cNvPr id="4" name="文本占位符 3"/>
@@ -23685,8 +23713,8 @@
           <a:chExt cx="0" cy="0"/>
         </a:xfrm>
       </p:grpSpPr>
-      <mc:AlternateContent xmlns:mc="http://schemas.openxmlformats.org/markup-compatibility/2006" xmlns:a14="http://schemas.microsoft.com/office/drawing/2010/main">
-        <mc:Choice Requires="a14">
+      <mc:AlternateContent xmlns:mc="http://schemas.openxmlformats.org/markup-compatibility/2006">
+        <mc:Choice xmlns:a14="http://schemas.microsoft.com/office/drawing/2010/main" Requires="a14">
           <p:sp>
             <p:nvSpPr>
               <p:cNvPr id="4" name="文本占位符 3"/>
@@ -24040,332 +24068,329 @@
                           </m:ctrlPr>
                         </m:dPr>
                         <m:e>
-                          <m:m>
-                            <m:mPr>
-                              <m:plcHide m:val="on"/>
-                              <m:mcs>
-                                <m:mc>
-                                  <m:mcPr>
-                                    <m:count m:val="2"/>
-                                    <m:mcJc m:val="center"/>
-                                  </m:mcPr>
-                                </m:mc>
-                              </m:mcs>
+                          <m:eqArr>
+                            <m:eqArrPr>
                               <m:ctrlPr>
                                 <a:rPr lang="en-US" altLang="zh-CN" b="0" i="1" smtClean="0">
                                   <a:latin typeface="Cambria Math" panose="02040503050406030204" pitchFamily="18" charset="0"/>
                                 </a:rPr>
                               </m:ctrlPr>
-                            </m:mPr>
-                            <m:mr>
-                              <m:e>
-                                <m:sSub>
-                                  <m:sSubPr>
-                                    <m:ctrlPr>
-                                      <a:rPr lang="en-US" altLang="zh-CN" b="0" i="1" smtClean="0">
-                                        <a:latin typeface="Cambria Math" panose="02040503050406030204" pitchFamily="18" charset="0"/>
-                                      </a:rPr>
-                                    </m:ctrlPr>
-                                  </m:sSubPr>
-                                  <m:e>
-                                    <m:r>
-                                      <a:rPr lang="en-US" altLang="zh-CN" b="0" i="1" smtClean="0">
-                                        <a:latin typeface="Cambria Math" panose="02040503050406030204" pitchFamily="18" charset="0"/>
-                                      </a:rPr>
-                                      <m:t>𝑎</m:t>
-                                    </m:r>
-                                  </m:e>
-                                  <m:sub>
-                                    <m:r>
-                                      <a:rPr lang="en-US" altLang="zh-CN" b="0" i="1" smtClean="0">
-                                        <a:latin typeface="Cambria Math" panose="02040503050406030204" pitchFamily="18" charset="0"/>
-                                      </a:rPr>
-                                      <m:t>𝑛</m:t>
-                                    </m:r>
-                                  </m:sub>
-                                </m:sSub>
-                                <m:r>
-                                  <a:rPr lang="en-US" altLang="zh-CN" b="0" i="1" smtClean="0">
-                                    <a:latin typeface="Cambria Math" panose="02040503050406030204" pitchFamily="18" charset="0"/>
-                                  </a:rPr>
-                                  <m:t>𝑛</m:t>
-                                </m:r>
-                                <m:d>
-                                  <m:dPr>
-                                    <m:ctrlPr>
-                                      <a:rPr lang="en-US" altLang="zh-CN" b="0" i="1" smtClean="0">
-                                        <a:latin typeface="Cambria Math" panose="02040503050406030204" pitchFamily="18" charset="0"/>
-                                      </a:rPr>
-                                    </m:ctrlPr>
-                                  </m:dPr>
-                                  <m:e>
-                                    <m:r>
-                                      <a:rPr lang="en-US" altLang="zh-CN" b="0" i="1" smtClean="0">
-                                        <a:latin typeface="Cambria Math" panose="02040503050406030204" pitchFamily="18" charset="0"/>
-                                      </a:rPr>
-                                      <m:t>𝑛</m:t>
-                                    </m:r>
-                                    <m:r>
-                                      <a:rPr lang="en-US" altLang="zh-CN" b="0" i="1" smtClean="0">
-                                        <a:latin typeface="Cambria Math" panose="02040503050406030204" pitchFamily="18" charset="0"/>
-                                      </a:rPr>
-                                      <m:t>−1</m:t>
-                                    </m:r>
-                                  </m:e>
-                                </m:d>
-                                <m:r>
-                                  <a:rPr lang="en-US" altLang="zh-CN" b="0" i="1" smtClean="0">
-                                    <a:latin typeface="Cambria Math" panose="02040503050406030204" pitchFamily="18" charset="0"/>
-                                  </a:rPr>
-                                  <m:t>⋯</m:t>
-                                </m:r>
-                                <m:d>
-                                  <m:dPr>
-                                    <m:ctrlPr>
-                                      <a:rPr lang="en-US" altLang="zh-CN" b="0" i="1" smtClean="0">
-                                        <a:latin typeface="Cambria Math" panose="02040503050406030204" pitchFamily="18" charset="0"/>
-                                      </a:rPr>
-                                    </m:ctrlPr>
-                                  </m:dPr>
-                                  <m:e>
-                                    <m:r>
-                                      <a:rPr lang="en-US" altLang="zh-CN" b="0" i="1" smtClean="0">
-                                        <a:latin typeface="Cambria Math" panose="02040503050406030204" pitchFamily="18" charset="0"/>
-                                      </a:rPr>
-                                      <m:t>𝑛</m:t>
-                                    </m:r>
-                                    <m:r>
-                                      <a:rPr lang="en-US" altLang="zh-CN" b="0" i="1" smtClean="0">
-                                        <a:latin typeface="Cambria Math" panose="02040503050406030204" pitchFamily="18" charset="0"/>
-                                      </a:rPr>
-                                      <m:t>−</m:t>
-                                    </m:r>
-                                    <m:r>
-                                      <a:rPr lang="en-US" altLang="zh-CN" b="0" i="1" smtClean="0">
-                                        <a:latin typeface="Cambria Math" panose="02040503050406030204" pitchFamily="18" charset="0"/>
-                                      </a:rPr>
-                                      <m:t>𝑘</m:t>
-                                    </m:r>
-                                    <m:r>
-                                      <a:rPr lang="en-US" altLang="zh-CN" b="0" i="1" smtClean="0">
-                                        <a:latin typeface="Cambria Math" panose="02040503050406030204" pitchFamily="18" charset="0"/>
-                                      </a:rPr>
-                                      <m:t>+1</m:t>
-                                    </m:r>
-                                  </m:e>
-                                </m:d>
-                                <m:sSup>
-                                  <m:sSupPr>
-                                    <m:ctrlPr>
-                                      <a:rPr lang="en-US" altLang="zh-CN" b="0" i="1" smtClean="0">
-                                        <a:latin typeface="Cambria Math" panose="02040503050406030204" pitchFamily="18" charset="0"/>
-                                      </a:rPr>
-                                    </m:ctrlPr>
-                                  </m:sSupPr>
-                                  <m:e>
-                                    <m:r>
-                                      <a:rPr lang="en-US" altLang="zh-CN" b="0" i="1" smtClean="0">
-                                        <a:latin typeface="Cambria Math" panose="02040503050406030204" pitchFamily="18" charset="0"/>
-                                      </a:rPr>
-                                      <m:t>𝑥</m:t>
-                                    </m:r>
-                                  </m:e>
-                                  <m:sup>
-                                    <m:r>
-                                      <a:rPr lang="en-US" altLang="zh-CN" b="0" i="1" smtClean="0">
-                                        <a:latin typeface="Cambria Math" panose="02040503050406030204" pitchFamily="18" charset="0"/>
-                                      </a:rPr>
-                                      <m:t>𝑛</m:t>
-                                    </m:r>
-                                    <m:r>
-                                      <a:rPr lang="en-US" altLang="zh-CN" b="0" i="1" smtClean="0">
-                                        <a:latin typeface="Cambria Math" panose="02040503050406030204" pitchFamily="18" charset="0"/>
-                                      </a:rPr>
-                                      <m:t>−</m:t>
-                                    </m:r>
-                                    <m:r>
-                                      <a:rPr lang="en-US" altLang="zh-CN" b="0" i="1" smtClean="0">
-                                        <a:latin typeface="Cambria Math" panose="02040503050406030204" pitchFamily="18" charset="0"/>
-                                      </a:rPr>
-                                      <m:t>𝑘</m:t>
-                                    </m:r>
-                                  </m:sup>
-                                </m:sSup>
-                                <m:r>
-                                  <a:rPr lang="en-US" altLang="zh-CN" b="0" i="1" smtClean="0">
-                                    <a:latin typeface="Cambria Math" panose="02040503050406030204" pitchFamily="18" charset="0"/>
-                                  </a:rPr>
-                                  <m:t>+⋯+</m:t>
-                                </m:r>
-                                <m:sSub>
-                                  <m:sSubPr>
-                                    <m:ctrlPr>
-                                      <a:rPr lang="en-US" altLang="zh-CN" b="0" i="1" smtClean="0">
-                                        <a:latin typeface="Cambria Math" panose="02040503050406030204" pitchFamily="18" charset="0"/>
-                                      </a:rPr>
-                                    </m:ctrlPr>
-                                  </m:sSubPr>
-                                  <m:e>
-                                    <m:r>
-                                      <a:rPr lang="en-US" altLang="zh-CN" b="0" i="1" smtClean="0">
-                                        <a:latin typeface="Cambria Math" panose="02040503050406030204" pitchFamily="18" charset="0"/>
-                                      </a:rPr>
-                                      <m:t>𝑎</m:t>
-                                    </m:r>
-                                  </m:e>
-                                  <m:sub>
-                                    <m:r>
-                                      <a:rPr lang="en-US" altLang="zh-CN" b="0" i="1" smtClean="0">
-                                        <a:latin typeface="Cambria Math" panose="02040503050406030204" pitchFamily="18" charset="0"/>
-                                      </a:rPr>
-                                      <m:t>𝑘</m:t>
-                                    </m:r>
-                                  </m:sub>
-                                </m:sSub>
-                                <m:r>
-                                  <a:rPr lang="en-US" altLang="zh-CN" b="0" i="1" smtClean="0">
-                                    <a:latin typeface="Cambria Math" panose="02040503050406030204" pitchFamily="18" charset="0"/>
-                                  </a:rPr>
-                                  <m:t>𝑘</m:t>
-                                </m:r>
-                                <m:r>
-                                  <a:rPr lang="en-US" altLang="zh-CN" b="0" i="1" smtClean="0">
-                                    <a:latin typeface="Cambria Math" panose="02040503050406030204" pitchFamily="18" charset="0"/>
-                                  </a:rPr>
-                                  <m:t>!,</m:t>
-                                </m:r>
-                              </m:e>
-                              <m:e>
-                                <m:r>
-                                  <a:rPr lang="en-US" altLang="zh-CN" b="0" i="1" smtClean="0">
-                                    <a:latin typeface="Cambria Math" panose="02040503050406030204" pitchFamily="18" charset="0"/>
-                                  </a:rPr>
-                                  <m:t>𝑘</m:t>
-                                </m:r>
-                                <m:r>
-                                  <a:rPr lang="en-US" altLang="zh-CN" b="0" i="1" smtClean="0">
-                                    <a:latin typeface="Cambria Math" panose="02040503050406030204" pitchFamily="18" charset="0"/>
-                                  </a:rPr>
-                                  <m:t>&lt;</m:t>
-                                </m:r>
-                                <m:r>
-                                  <a:rPr lang="en-US" altLang="zh-CN" b="0" i="1" smtClean="0">
-                                    <a:latin typeface="Cambria Math" panose="02040503050406030204" pitchFamily="18" charset="0"/>
-                                  </a:rPr>
-                                  <m:t>𝑛</m:t>
-                                </m:r>
-                                <m:r>
-                                  <a:rPr lang="en-US" altLang="zh-CN" b="0" i="1" smtClean="0">
-                                    <a:latin typeface="Cambria Math" panose="02040503050406030204" pitchFamily="18" charset="0"/>
-                                  </a:rPr>
-                                  <m:t>,</m:t>
-                                </m:r>
-                              </m:e>
-                            </m:mr>
-                            <m:mr>
-                              <m:e>
-                                <m:sSub>
-                                  <m:sSubPr>
-                                    <m:ctrlPr>
-                                      <a:rPr lang="en-US" altLang="zh-CN" b="0" i="1" smtClean="0">
-                                        <a:latin typeface="Cambria Math" panose="02040503050406030204" pitchFamily="18" charset="0"/>
-                                      </a:rPr>
-                                    </m:ctrlPr>
-                                  </m:sSubPr>
-                                  <m:e>
-                                    <m:r>
-                                      <a:rPr lang="en-US" altLang="zh-CN" b="0" i="1" smtClean="0">
-                                        <a:latin typeface="Cambria Math" panose="02040503050406030204" pitchFamily="18" charset="0"/>
-                                      </a:rPr>
-                                      <m:t>𝑎</m:t>
-                                    </m:r>
-                                  </m:e>
-                                  <m:sub>
-                                    <m:r>
-                                      <a:rPr lang="en-US" altLang="zh-CN" b="0" i="1" smtClean="0">
-                                        <a:latin typeface="Cambria Math" panose="02040503050406030204" pitchFamily="18" charset="0"/>
-                                      </a:rPr>
-                                      <m:t>𝑛</m:t>
-                                    </m:r>
-                                  </m:sub>
-                                </m:sSub>
-                                <m:r>
-                                  <a:rPr lang="en-US" altLang="zh-CN" b="0" i="1" smtClean="0">
-                                    <a:latin typeface="Cambria Math" panose="02040503050406030204" pitchFamily="18" charset="0"/>
-                                  </a:rPr>
-                                  <m:t>𝑛</m:t>
-                                </m:r>
-                                <m:r>
-                                  <a:rPr lang="en-US" altLang="zh-CN" b="0" i="1" smtClean="0">
-                                    <a:latin typeface="Cambria Math" panose="02040503050406030204" pitchFamily="18" charset="0"/>
-                                  </a:rPr>
-                                  <m:t>!,</m:t>
-                                </m:r>
-                              </m:e>
-                              <m:e>
-                                <m:r>
-                                  <a:rPr lang="en-US" altLang="zh-CN" b="0" i="1" smtClean="0">
-                                    <a:latin typeface="Cambria Math" panose="02040503050406030204" pitchFamily="18" charset="0"/>
-                                  </a:rPr>
-                                  <m:t>𝑘</m:t>
-                                </m:r>
-                                <m:r>
-                                  <a:rPr lang="en-US" altLang="zh-CN" b="0" i="1" smtClean="0">
-                                    <a:latin typeface="Cambria Math" panose="02040503050406030204" pitchFamily="18" charset="0"/>
-                                  </a:rPr>
-                                  <m:t>=</m:t>
-                                </m:r>
-                                <m:r>
-                                  <a:rPr lang="en-US" altLang="zh-CN" b="0" i="1" smtClean="0">
-                                    <a:latin typeface="Cambria Math" panose="02040503050406030204" pitchFamily="18" charset="0"/>
-                                  </a:rPr>
-                                  <m:t>𝑛</m:t>
-                                </m:r>
-                                <m:r>
-                                  <a:rPr lang="en-US" altLang="zh-CN" b="0" i="1" smtClean="0">
-                                    <a:latin typeface="Cambria Math" panose="02040503050406030204" pitchFamily="18" charset="0"/>
-                                  </a:rPr>
-                                  <m:t>,</m:t>
-                                </m:r>
-                              </m:e>
-                            </m:mr>
-                            <m:mr>
-                              <m:e>
-                                <m:r>
-                                  <a:rPr lang="en-US" altLang="zh-CN" b="0" i="1" smtClean="0">
-                                    <a:latin typeface="Cambria Math" panose="02040503050406030204" pitchFamily="18" charset="0"/>
-                                  </a:rPr>
-                                  <m:t>0,</m:t>
-                                </m:r>
-                              </m:e>
-                              <m:e>
-                                <m:r>
-                                  <a:rPr lang="en-US" altLang="zh-CN" b="0" i="1" smtClean="0">
-                                    <a:latin typeface="Cambria Math" panose="02040503050406030204" pitchFamily="18" charset="0"/>
-                                  </a:rPr>
-                                  <m:t>𝑘</m:t>
-                                </m:r>
-                                <m:r>
-                                  <a:rPr lang="en-US" altLang="zh-CN" b="0" i="1" smtClean="0">
-                                    <a:latin typeface="Cambria Math" panose="02040503050406030204" pitchFamily="18" charset="0"/>
-                                  </a:rPr>
-                                  <m:t>&gt;</m:t>
-                                </m:r>
-                                <m:r>
-                                  <a:rPr lang="en-US" altLang="zh-CN" b="0" i="1" smtClean="0">
-                                    <a:latin typeface="Cambria Math" panose="02040503050406030204" pitchFamily="18" charset="0"/>
-                                  </a:rPr>
-                                  <m:t>𝑛</m:t>
-                                </m:r>
-                                <m:r>
-                                  <a:rPr lang="en-US" altLang="zh-CN" b="0" i="1" smtClean="0">
-                                    <a:latin typeface="Cambria Math" panose="02040503050406030204" pitchFamily="18" charset="0"/>
-                                  </a:rPr>
-                                  <m:t>.</m:t>
-                                </m:r>
-                              </m:e>
-                            </m:mr>
-                          </m:m>
+                            </m:eqArrPr>
+                            <m:e>
+                              <m:r>
+                                <a:rPr lang="en-US" altLang="zh-CN" b="0" i="1" smtClean="0">
+                                  <a:latin typeface="Cambria Math" panose="02040503050406030204" pitchFamily="18" charset="0"/>
+                                </a:rPr>
+                                <m:t>&amp;</m:t>
+                              </m:r>
+                              <m:sSub>
+                                <m:sSubPr>
+                                  <m:ctrlPr>
+                                    <a:rPr lang="en-US" altLang="zh-CN" b="0" i="1" smtClean="0">
+                                      <a:latin typeface="Cambria Math" panose="02040503050406030204" pitchFamily="18" charset="0"/>
+                                    </a:rPr>
+                                  </m:ctrlPr>
+                                </m:sSubPr>
+                                <m:e>
+                                  <m:r>
+                                    <a:rPr lang="en-US" altLang="zh-CN" i="1">
+                                      <a:latin typeface="Cambria Math" panose="02040503050406030204" pitchFamily="18" charset="0"/>
+                                    </a:rPr>
+                                    <m:t>𝑎</m:t>
+                                  </m:r>
+                                </m:e>
+                                <m:sub>
+                                  <m:r>
+                                    <a:rPr lang="en-US" altLang="zh-CN" i="1">
+                                      <a:latin typeface="Cambria Math" panose="02040503050406030204" pitchFamily="18" charset="0"/>
+                                    </a:rPr>
+                                    <m:t>𝑛</m:t>
+                                  </m:r>
+                                </m:sub>
+                              </m:sSub>
+                              <m:r>
+                                <a:rPr lang="en-US" altLang="zh-CN" i="1">
+                                  <a:latin typeface="Cambria Math" panose="02040503050406030204" pitchFamily="18" charset="0"/>
+                                </a:rPr>
+                                <m:t>𝑛</m:t>
+                              </m:r>
+                              <m:d>
+                                <m:dPr>
+                                  <m:ctrlPr>
+                                    <a:rPr lang="en-US" altLang="zh-CN" i="1">
+                                      <a:latin typeface="Cambria Math" panose="02040503050406030204" pitchFamily="18" charset="0"/>
+                                    </a:rPr>
+                                  </m:ctrlPr>
+                                </m:dPr>
+                                <m:e>
+                                  <m:r>
+                                    <a:rPr lang="en-US" altLang="zh-CN" i="1">
+                                      <a:latin typeface="Cambria Math" panose="02040503050406030204" pitchFamily="18" charset="0"/>
+                                    </a:rPr>
+                                    <m:t>𝑛</m:t>
+                                  </m:r>
+                                  <m:r>
+                                    <a:rPr lang="en-US" altLang="zh-CN" i="1">
+                                      <a:latin typeface="Cambria Math" panose="02040503050406030204" pitchFamily="18" charset="0"/>
+                                    </a:rPr>
+                                    <m:t>−1</m:t>
+                                  </m:r>
+                                </m:e>
+                              </m:d>
+                              <m:r>
+                                <a:rPr lang="en-US" altLang="zh-CN" i="1">
+                                  <a:latin typeface="Cambria Math" panose="02040503050406030204" pitchFamily="18" charset="0"/>
+                                </a:rPr>
+                                <m:t>⋯</m:t>
+                              </m:r>
+                              <m:d>
+                                <m:dPr>
+                                  <m:ctrlPr>
+                                    <a:rPr lang="en-US" altLang="zh-CN" i="1">
+                                      <a:latin typeface="Cambria Math" panose="02040503050406030204" pitchFamily="18" charset="0"/>
+                                    </a:rPr>
+                                  </m:ctrlPr>
+                                </m:dPr>
+                                <m:e>
+                                  <m:r>
+                                    <a:rPr lang="en-US" altLang="zh-CN" i="1">
+                                      <a:latin typeface="Cambria Math" panose="02040503050406030204" pitchFamily="18" charset="0"/>
+                                    </a:rPr>
+                                    <m:t>𝑛</m:t>
+                                  </m:r>
+                                  <m:r>
+                                    <a:rPr lang="en-US" altLang="zh-CN" i="1">
+                                      <a:latin typeface="Cambria Math" panose="02040503050406030204" pitchFamily="18" charset="0"/>
+                                    </a:rPr>
+                                    <m:t>−</m:t>
+                                  </m:r>
+                                  <m:r>
+                                    <a:rPr lang="en-US" altLang="zh-CN" i="1">
+                                      <a:latin typeface="Cambria Math" panose="02040503050406030204" pitchFamily="18" charset="0"/>
+                                    </a:rPr>
+                                    <m:t>𝑘</m:t>
+                                  </m:r>
+                                  <m:r>
+                                    <a:rPr lang="en-US" altLang="zh-CN" i="1">
+                                      <a:latin typeface="Cambria Math" panose="02040503050406030204" pitchFamily="18" charset="0"/>
+                                    </a:rPr>
+                                    <m:t>+1</m:t>
+                                  </m:r>
+                                </m:e>
+                              </m:d>
+                              <m:sSup>
+                                <m:sSupPr>
+                                  <m:ctrlPr>
+                                    <a:rPr lang="en-US" altLang="zh-CN" i="1">
+                                      <a:latin typeface="Cambria Math" panose="02040503050406030204" pitchFamily="18" charset="0"/>
+                                    </a:rPr>
+                                  </m:ctrlPr>
+                                </m:sSupPr>
+                                <m:e>
+                                  <m:r>
+                                    <a:rPr lang="en-US" altLang="zh-CN" i="1">
+                                      <a:latin typeface="Cambria Math" panose="02040503050406030204" pitchFamily="18" charset="0"/>
+                                    </a:rPr>
+                                    <m:t>𝑥</m:t>
+                                  </m:r>
+                                </m:e>
+                                <m:sup>
+                                  <m:r>
+                                    <a:rPr lang="en-US" altLang="zh-CN" i="1">
+                                      <a:latin typeface="Cambria Math" panose="02040503050406030204" pitchFamily="18" charset="0"/>
+                                    </a:rPr>
+                                    <m:t>𝑛</m:t>
+                                  </m:r>
+                                  <m:r>
+                                    <a:rPr lang="en-US" altLang="zh-CN" i="1">
+                                      <a:latin typeface="Cambria Math" panose="02040503050406030204" pitchFamily="18" charset="0"/>
+                                    </a:rPr>
+                                    <m:t>−</m:t>
+                                  </m:r>
+                                  <m:r>
+                                    <a:rPr lang="en-US" altLang="zh-CN" i="1">
+                                      <a:latin typeface="Cambria Math" panose="02040503050406030204" pitchFamily="18" charset="0"/>
+                                    </a:rPr>
+                                    <m:t>𝑘</m:t>
+                                  </m:r>
+                                </m:sup>
+                              </m:sSup>
+                              <m:r>
+                                <a:rPr lang="en-US" altLang="zh-CN" i="1">
+                                  <a:latin typeface="Cambria Math" panose="02040503050406030204" pitchFamily="18" charset="0"/>
+                                </a:rPr>
+                                <m:t>+⋯+</m:t>
+                              </m:r>
+                              <m:sSub>
+                                <m:sSubPr>
+                                  <m:ctrlPr>
+                                    <a:rPr lang="en-US" altLang="zh-CN" i="1">
+                                      <a:latin typeface="Cambria Math" panose="02040503050406030204" pitchFamily="18" charset="0"/>
+                                    </a:rPr>
+                                  </m:ctrlPr>
+                                </m:sSubPr>
+                                <m:e>
+                                  <m:r>
+                                    <a:rPr lang="en-US" altLang="zh-CN" i="1">
+                                      <a:latin typeface="Cambria Math" panose="02040503050406030204" pitchFamily="18" charset="0"/>
+                                    </a:rPr>
+                                    <m:t>𝑎</m:t>
+                                  </m:r>
+                                </m:e>
+                                <m:sub>
+                                  <m:r>
+                                    <a:rPr lang="en-US" altLang="zh-CN" i="1">
+                                      <a:latin typeface="Cambria Math" panose="02040503050406030204" pitchFamily="18" charset="0"/>
+                                    </a:rPr>
+                                    <m:t>𝑘</m:t>
+                                  </m:r>
+                                </m:sub>
+                              </m:sSub>
+                              <m:r>
+                                <a:rPr lang="en-US" altLang="zh-CN" i="1">
+                                  <a:latin typeface="Cambria Math" panose="02040503050406030204" pitchFamily="18" charset="0"/>
+                                </a:rPr>
+                                <m:t>𝑘</m:t>
+                              </m:r>
+                              <m:r>
+                                <a:rPr lang="en-US" altLang="zh-CN" i="1">
+                                  <a:latin typeface="Cambria Math" panose="02040503050406030204" pitchFamily="18" charset="0"/>
+                                </a:rPr>
+                                <m:t>!,&amp; &amp;</m:t>
+                              </m:r>
+                              <m:r>
+                                <a:rPr lang="en-US" altLang="zh-CN" i="1">
+                                  <a:latin typeface="Cambria Math" panose="02040503050406030204" pitchFamily="18" charset="0"/>
+                                </a:rPr>
+                                <m:t>𝑘</m:t>
+                              </m:r>
+                              <m:r>
+                                <a:rPr lang="en-US" altLang="zh-CN" i="1">
+                                  <a:latin typeface="Cambria Math" panose="02040503050406030204" pitchFamily="18" charset="0"/>
+                                </a:rPr>
+                                <m:t>&lt;</m:t>
+                              </m:r>
+                              <m:r>
+                                <a:rPr lang="en-US" altLang="zh-CN" i="1">
+                                  <a:latin typeface="Cambria Math" panose="02040503050406030204" pitchFamily="18" charset="0"/>
+                                </a:rPr>
+                                <m:t>𝑛</m:t>
+                              </m:r>
+                              <m:r>
+                                <a:rPr lang="en-US" altLang="zh-CN" i="1">
+                                  <a:latin typeface="Cambria Math" panose="02040503050406030204" pitchFamily="18" charset="0"/>
+                                </a:rPr>
+                                <m:t>,</m:t>
+                              </m:r>
+                            </m:e>
+                            <m:e>
+                              <m:r>
+                                <a:rPr lang="en-US" altLang="zh-CN" i="1">
+                                  <a:latin typeface="Cambria Math" panose="02040503050406030204" pitchFamily="18" charset="0"/>
+                                </a:rPr>
+                                <m:t>&amp;</m:t>
+                              </m:r>
+                              <m:sSub>
+                                <m:sSubPr>
+                                  <m:ctrlPr>
+                                    <a:rPr lang="en-US" altLang="zh-CN" i="1">
+                                      <a:latin typeface="Cambria Math" panose="02040503050406030204" pitchFamily="18" charset="0"/>
+                                    </a:rPr>
+                                  </m:ctrlPr>
+                                </m:sSubPr>
+                                <m:e>
+                                  <m:r>
+                                    <a:rPr lang="en-US" altLang="zh-CN" i="1">
+                                      <a:latin typeface="Cambria Math" panose="02040503050406030204" pitchFamily="18" charset="0"/>
+                                    </a:rPr>
+                                    <m:t>𝑎</m:t>
+                                  </m:r>
+                                </m:e>
+                                <m:sub>
+                                  <m:r>
+                                    <a:rPr lang="en-US" altLang="zh-CN" i="1">
+                                      <a:latin typeface="Cambria Math" panose="02040503050406030204" pitchFamily="18" charset="0"/>
+                                    </a:rPr>
+                                    <m:t>𝑛</m:t>
+                                  </m:r>
+                                </m:sub>
+                              </m:sSub>
+                              <m:r>
+                                <a:rPr lang="en-US" altLang="zh-CN" i="1">
+                                  <a:latin typeface="Cambria Math" panose="02040503050406030204" pitchFamily="18" charset="0"/>
+                                </a:rPr>
+                                <m:t>𝑛</m:t>
+                              </m:r>
+                              <m:r>
+                                <a:rPr lang="en-US" altLang="zh-CN" i="1">
+                                  <a:latin typeface="Cambria Math" panose="02040503050406030204" pitchFamily="18" charset="0"/>
+                                </a:rPr>
+                                <m:t>!,&amp; &amp;</m:t>
+                              </m:r>
+                              <m:r>
+                                <a:rPr lang="en-US" altLang="zh-CN" i="1">
+                                  <a:latin typeface="Cambria Math" panose="02040503050406030204" pitchFamily="18" charset="0"/>
+                                </a:rPr>
+                                <m:t>𝑘</m:t>
+                              </m:r>
+                              <m:r>
+                                <a:rPr lang="en-US" altLang="zh-CN" i="1">
+                                  <a:latin typeface="Cambria Math" panose="02040503050406030204" pitchFamily="18" charset="0"/>
+                                </a:rPr>
+                                <m:t>=</m:t>
+                              </m:r>
+                              <m:r>
+                                <a:rPr lang="en-US" altLang="zh-CN" i="1">
+                                  <a:latin typeface="Cambria Math" panose="02040503050406030204" pitchFamily="18" charset="0"/>
+                                </a:rPr>
+                                <m:t>𝑛</m:t>
+                              </m:r>
+                              <m:r>
+                                <a:rPr lang="en-US" altLang="zh-CN" i="1">
+                                  <a:latin typeface="Cambria Math" panose="02040503050406030204" pitchFamily="18" charset="0"/>
+                                </a:rPr>
+                                <m:t>,</m:t>
+                              </m:r>
+                            </m:e>
+                            <m:e>
+                              <m:r>
+                                <a:rPr lang="en-US" altLang="zh-CN" i="1">
+                                  <a:latin typeface="Cambria Math" panose="02040503050406030204" pitchFamily="18" charset="0"/>
+                                </a:rPr>
+                                <m:t>&amp;0,&amp;</m:t>
+                              </m:r>
+                              <m:r>
+                                <a:rPr lang="en-US" altLang="zh-CN" b="0" i="1" smtClean="0">
+                                  <a:latin typeface="Cambria Math" panose="02040503050406030204" pitchFamily="18" charset="0"/>
+                                </a:rPr>
+                                <m:t> &amp;</m:t>
+                              </m:r>
+                              <m:r>
+                                <a:rPr lang="en-US" altLang="zh-CN" i="1">
+                                  <a:latin typeface="Cambria Math" panose="02040503050406030204" pitchFamily="18" charset="0"/>
+                                </a:rPr>
+                                <m:t>𝑘</m:t>
+                              </m:r>
+                              <m:r>
+                                <a:rPr lang="en-US" altLang="zh-CN" i="1">
+                                  <a:latin typeface="Cambria Math" panose="02040503050406030204" pitchFamily="18" charset="0"/>
+                                </a:rPr>
+                                <m:t>&gt;</m:t>
+                              </m:r>
+                              <m:r>
+                                <a:rPr lang="en-US" altLang="zh-CN" i="1">
+                                  <a:latin typeface="Cambria Math" panose="02040503050406030204" pitchFamily="18" charset="0"/>
+                                </a:rPr>
+                                <m:t>𝑛</m:t>
+                              </m:r>
+                              <m:r>
+                                <a:rPr lang="en-US" altLang="zh-CN" i="1">
+                                  <a:latin typeface="Cambria Math" panose="02040503050406030204" pitchFamily="18" charset="0"/>
+                                </a:rPr>
+                                <m:t>.</m:t>
+                              </m:r>
+                            </m:e>
+                          </m:eqArr>
                         </m:e>
                       </m:d>
                     </m:oMath>
@@ -24476,11 +24501,10 @@
                   <a:rPr lang="en-US" altLang="zh-CN" dirty="0" smtClean="0"/>
                   <a:t>.</a:t>
                 </a:r>
-                <a:endParaRPr lang="en-US" altLang="zh-CN" dirty="0"/>
               </a:p>
               <a:p>
                 <a:r>
-                  <a:rPr lang="zh-CN" altLang="en-US" dirty="0">
+                  <a:rPr lang="zh-CN" altLang="en-US" dirty="0" smtClean="0">
                     <a:solidFill>
                       <a:srgbClr val="0000FF"/>
                     </a:solidFill>
@@ -24488,7 +24512,7 @@
                   <a:t>解</a:t>
                 </a:r>
                 <a:r>
-                  <a:rPr lang="zh-CN" altLang="en-US" dirty="0"/>
+                  <a:rPr lang="zh-CN" altLang="en-US" dirty="0" smtClean="0"/>
                   <a:t> </a:t>
                 </a:r>
                 <a14:m>
@@ -25058,7 +25082,7 @@
             </p:txBody>
           </p:sp>
         </mc:Choice>
-        <mc:Fallback xmlns="">
+        <mc:Fallback>
           <p:sp>
             <p:nvSpPr>
               <p:cNvPr id="4" name="文本占位符 3"/>
@@ -29577,8 +29601,8 @@
           <a:chExt cx="0" cy="0"/>
         </a:xfrm>
       </p:grpSpPr>
-      <mc:AlternateContent xmlns:mc="http://schemas.openxmlformats.org/markup-compatibility/2006" xmlns:a14="http://schemas.microsoft.com/office/drawing/2010/main">
-        <mc:Choice Requires="a14">
+      <mc:AlternateContent xmlns:mc="http://schemas.openxmlformats.org/markup-compatibility/2006">
+        <mc:Choice xmlns:a14="http://schemas.microsoft.com/office/drawing/2010/main" Requires="a14">
           <p:sp>
             <p:nvSpPr>
               <p:cNvPr id="4" name="文本占位符 3"/>
@@ -29616,7 +29640,7 @@
                     <m:sSup>
                       <m:sSupPr>
                         <m:ctrlPr>
-                          <a:rPr lang="en-US" altLang="zh-CN" i="1">
+                          <a:rPr lang="en-US" altLang="zh-CN" b="0" i="1" smtClean="0">
                             <a:solidFill>
                               <a:schemeClr val="tx1"/>
                             </a:solidFill>
@@ -29625,17 +29649,8 @@
                         </m:ctrlPr>
                       </m:sSupPr>
                       <m:e>
-                        <m:r>
-                          <a:rPr lang="en-US" altLang="zh-CN" b="0" i="1" smtClean="0">
-                            <a:solidFill>
-                              <a:schemeClr val="tx1"/>
-                            </a:solidFill>
-                            <a:latin typeface="Cambria Math" panose="02040503050406030204" pitchFamily="18" charset="0"/>
-                          </a:rPr>
-                          <m:t>(</m:t>
-                        </m:r>
-                        <m:sSup>
-                          <m:sSupPr>
+                        <m:d>
+                          <m:dPr>
                             <m:ctrlPr>
                               <a:rPr lang="en-US" altLang="zh-CN" b="0" i="1" smtClean="0">
                                 <a:solidFill>
@@ -29644,45 +29659,50 @@
                                 <a:latin typeface="Cambria Math" panose="02040503050406030204" pitchFamily="18" charset="0"/>
                               </a:rPr>
                             </m:ctrlPr>
-                          </m:sSupPr>
+                          </m:dPr>
                           <m:e>
-                            <m:r>
-                              <a:rPr lang="en-US" altLang="zh-CN" b="0" i="1" smtClean="0">
-                                <a:solidFill>
-                                  <a:schemeClr val="tx1"/>
-                                </a:solidFill>
-                                <a:latin typeface="Cambria Math" panose="02040503050406030204" pitchFamily="18" charset="0"/>
-                              </a:rPr>
-                              <m:t>𝑥</m:t>
-                            </m:r>
+                            <m:sSup>
+                              <m:sSupPr>
+                                <m:ctrlPr>
+                                  <a:rPr lang="en-US" altLang="zh-CN" b="0" i="1" smtClean="0">
+                                    <a:solidFill>
+                                      <a:schemeClr val="tx1"/>
+                                    </a:solidFill>
+                                    <a:latin typeface="Cambria Math" panose="02040503050406030204" pitchFamily="18" charset="0"/>
+                                  </a:rPr>
+                                </m:ctrlPr>
+                              </m:sSupPr>
+                              <m:e>
+                                <m:r>
+                                  <a:rPr lang="en-US" altLang="zh-CN" b="0" i="1" smtClean="0">
+                                    <a:solidFill>
+                                      <a:schemeClr val="tx1"/>
+                                    </a:solidFill>
+                                    <a:latin typeface="Cambria Math" panose="02040503050406030204" pitchFamily="18" charset="0"/>
+                                  </a:rPr>
+                                  <m:t>𝑥</m:t>
+                                </m:r>
+                              </m:e>
+                              <m:sup>
+                                <m:r>
+                                  <a:rPr lang="en-US" altLang="zh-CN" b="0" i="1" smtClean="0">
+                                    <a:solidFill>
+                                      <a:schemeClr val="tx1"/>
+                                    </a:solidFill>
+                                    <a:latin typeface="Cambria Math" panose="02040503050406030204" pitchFamily="18" charset="0"/>
+                                  </a:rPr>
+                                  <m:t>𝑚</m:t>
+                                </m:r>
+                              </m:sup>
+                            </m:sSup>
                           </m:e>
-                          <m:sup>
-                            <m:r>
-                              <a:rPr lang="en-US" altLang="zh-CN" b="0" i="1" smtClean="0">
-                                <a:solidFill>
-                                  <a:schemeClr val="tx1"/>
-                                </a:solidFill>
-                                <a:latin typeface="Cambria Math" panose="02040503050406030204" pitchFamily="18" charset="0"/>
-                              </a:rPr>
-                              <m:t>𝑚</m:t>
-                            </m:r>
-                          </m:sup>
-                        </m:sSup>
-                        <m:r>
-                          <a:rPr lang="en-US" altLang="zh-CN" b="0" i="1" smtClean="0">
-                            <a:solidFill>
-                              <a:schemeClr val="tx1"/>
-                            </a:solidFill>
-                            <a:latin typeface="Cambria Math" panose="02040503050406030204" pitchFamily="18" charset="0"/>
-                          </a:rPr>
-                          <m:t>)</m:t>
-                        </m:r>
+                        </m:d>
                       </m:e>
                       <m:sup>
                         <m:d>
                           <m:dPr>
                             <m:ctrlPr>
-                              <a:rPr lang="en-US" altLang="zh-CN" i="1">
+                              <a:rPr lang="en-US" altLang="zh-CN" b="0" i="1">
                                 <a:solidFill>
                                   <a:schemeClr val="tx1"/>
                                 </a:solidFill>
@@ -29718,7 +29738,7 @@
                         <m:begChr m:val="{"/>
                         <m:endChr m:val=""/>
                         <m:ctrlPr>
-                          <a:rPr lang="en-US" altLang="zh-CN" i="1">
+                          <a:rPr lang="en-US" altLang="zh-CN" b="0" i="1">
                             <a:solidFill>
                               <a:schemeClr val="tx1"/>
                             </a:solidFill>
@@ -29727,341 +29747,374 @@
                         </m:ctrlPr>
                       </m:dPr>
                       <m:e>
-                        <m:m>
-                          <m:mPr>
-                            <m:plcHide m:val="on"/>
-                            <m:mcs>
-                              <m:mc>
-                                <m:mcPr>
-                                  <m:count m:val="2"/>
-                                  <m:mcJc m:val="center"/>
-                                </m:mcPr>
-                              </m:mc>
-                            </m:mcs>
+                        <m:eqArr>
+                          <m:eqArrPr>
                             <m:ctrlPr>
+                              <a:rPr lang="en-US" altLang="zh-CN" b="0" i="1" smtClean="0">
+                                <a:solidFill>
+                                  <a:schemeClr val="tx1"/>
+                                </a:solidFill>
+                                <a:latin typeface="Cambria Math" panose="02040503050406030204" pitchFamily="18" charset="0"/>
+                              </a:rPr>
+                            </m:ctrlPr>
+                          </m:eqArrPr>
+                          <m:e>
+                            <m:r>
+                              <a:rPr lang="en-US" altLang="zh-CN" b="0" i="1">
+                                <a:solidFill>
+                                  <a:schemeClr val="tx1"/>
+                                </a:solidFill>
+                                <a:latin typeface="Cambria Math" panose="02040503050406030204" pitchFamily="18" charset="0"/>
+                              </a:rPr>
+                              <m:t>&amp;</m:t>
+                            </m:r>
+                            <m:r>
+                              <a:rPr lang="en-US" altLang="zh-CN" b="0" i="1" smtClean="0">
+                                <a:solidFill>
+                                  <a:schemeClr val="tx1"/>
+                                </a:solidFill>
+                                <a:latin typeface="Cambria Math" panose="02040503050406030204" pitchFamily="18" charset="0"/>
+                              </a:rPr>
+                              <m:t>𝑚</m:t>
+                            </m:r>
+                            <m:d>
+                              <m:dPr>
+                                <m:ctrlPr>
+                                  <a:rPr lang="en-US" altLang="zh-CN" b="0" i="1">
+                                    <a:solidFill>
+                                      <a:schemeClr val="tx1"/>
+                                    </a:solidFill>
+                                    <a:latin typeface="Cambria Math" panose="02040503050406030204" pitchFamily="18" charset="0"/>
+                                  </a:rPr>
+                                </m:ctrlPr>
+                              </m:dPr>
+                              <m:e>
+                                <m:r>
+                                  <a:rPr lang="en-US" altLang="zh-CN" b="0" i="1" smtClean="0">
+                                    <a:solidFill>
+                                      <a:schemeClr val="tx1"/>
+                                    </a:solidFill>
+                                    <a:latin typeface="Cambria Math" panose="02040503050406030204" pitchFamily="18" charset="0"/>
+                                  </a:rPr>
+                                  <m:t>𝑚</m:t>
+                                </m:r>
+                                <m:r>
+                                  <a:rPr lang="en-US" altLang="zh-CN" i="1">
+                                    <a:solidFill>
+                                      <a:schemeClr val="tx1"/>
+                                    </a:solidFill>
+                                    <a:latin typeface="Cambria Math" panose="02040503050406030204" pitchFamily="18" charset="0"/>
+                                  </a:rPr>
+                                  <m:t>−1</m:t>
+                                </m:r>
+                              </m:e>
+                            </m:d>
+                            <m:r>
                               <a:rPr lang="en-US" altLang="zh-CN" i="1">
                                 <a:solidFill>
                                   <a:schemeClr val="tx1"/>
                                 </a:solidFill>
                                 <a:latin typeface="Cambria Math" panose="02040503050406030204" pitchFamily="18" charset="0"/>
                               </a:rPr>
-                            </m:ctrlPr>
-                          </m:mPr>
-                          <m:mr>
-                            <m:e>
-                              <m:r>
-                                <a:rPr lang="en-US" altLang="zh-CN" b="0" i="1" smtClean="0">
-                                  <a:solidFill>
-                                    <a:schemeClr val="tx1"/>
-                                  </a:solidFill>
-                                  <a:latin typeface="Cambria Math" panose="02040503050406030204" pitchFamily="18" charset="0"/>
-                                </a:rPr>
-                                <m:t>𝑚</m:t>
-                              </m:r>
-                              <m:d>
-                                <m:dPr>
-                                  <m:ctrlPr>
-                                    <a:rPr lang="en-US" altLang="zh-CN" i="1">
-                                      <a:solidFill>
-                                        <a:schemeClr val="tx1"/>
-                                      </a:solidFill>
-                                      <a:latin typeface="Cambria Math" panose="02040503050406030204" pitchFamily="18" charset="0"/>
-                                    </a:rPr>
-                                  </m:ctrlPr>
-                                </m:dPr>
-                                <m:e>
-                                  <m:r>
-                                    <a:rPr lang="en-US" altLang="zh-CN" b="0" i="1" smtClean="0">
-                                      <a:solidFill>
-                                        <a:schemeClr val="tx1"/>
-                                      </a:solidFill>
-                                      <a:latin typeface="Cambria Math" panose="02040503050406030204" pitchFamily="18" charset="0"/>
-                                    </a:rPr>
-                                    <m:t>𝑚</m:t>
-                                  </m:r>
-                                  <m:r>
-                                    <a:rPr lang="en-US" altLang="zh-CN" i="1">
-                                      <a:solidFill>
-                                        <a:schemeClr val="tx1"/>
-                                      </a:solidFill>
-                                      <a:latin typeface="Cambria Math" panose="02040503050406030204" pitchFamily="18" charset="0"/>
-                                    </a:rPr>
-                                    <m:t>−1</m:t>
-                                  </m:r>
-                                </m:e>
-                              </m:d>
-                              <m:r>
-                                <a:rPr lang="en-US" altLang="zh-CN" i="1">
-                                  <a:solidFill>
-                                    <a:schemeClr val="tx1"/>
-                                  </a:solidFill>
-                                  <a:latin typeface="Cambria Math" panose="02040503050406030204" pitchFamily="18" charset="0"/>
-                                </a:rPr>
-                                <m:t>⋯</m:t>
-                              </m:r>
-                              <m:d>
-                                <m:dPr>
-                                  <m:ctrlPr>
-                                    <a:rPr lang="en-US" altLang="zh-CN" i="1">
-                                      <a:solidFill>
-                                        <a:schemeClr val="tx1"/>
-                                      </a:solidFill>
-                                      <a:latin typeface="Cambria Math" panose="02040503050406030204" pitchFamily="18" charset="0"/>
-                                    </a:rPr>
-                                  </m:ctrlPr>
-                                </m:dPr>
-                                <m:e>
-                                  <m:r>
-                                    <a:rPr lang="en-US" altLang="zh-CN" b="0" i="1" smtClean="0">
-                                      <a:solidFill>
-                                        <a:schemeClr val="tx1"/>
-                                      </a:solidFill>
-                                      <a:latin typeface="Cambria Math" panose="02040503050406030204" pitchFamily="18" charset="0"/>
-                                    </a:rPr>
-                                    <m:t>𝑚</m:t>
-                                  </m:r>
-                                  <m:r>
-                                    <a:rPr lang="en-US" altLang="zh-CN" i="1">
-                                      <a:solidFill>
-                                        <a:schemeClr val="tx1"/>
-                                      </a:solidFill>
-                                      <a:latin typeface="Cambria Math" panose="02040503050406030204" pitchFamily="18" charset="0"/>
-                                    </a:rPr>
-                                    <m:t>−</m:t>
-                                  </m:r>
-                                  <m:r>
-                                    <a:rPr lang="en-US" altLang="zh-CN" b="0" i="1" smtClean="0">
-                                      <a:solidFill>
-                                        <a:schemeClr val="tx1"/>
-                                      </a:solidFill>
-                                      <a:latin typeface="Cambria Math" panose="02040503050406030204" pitchFamily="18" charset="0"/>
-                                    </a:rPr>
-                                    <m:t>𝑛</m:t>
-                                  </m:r>
-                                  <m:r>
-                                    <a:rPr lang="en-US" altLang="zh-CN" i="1">
-                                      <a:solidFill>
-                                        <a:schemeClr val="tx1"/>
-                                      </a:solidFill>
-                                      <a:latin typeface="Cambria Math" panose="02040503050406030204" pitchFamily="18" charset="0"/>
-                                    </a:rPr>
-                                    <m:t>+1</m:t>
-                                  </m:r>
-                                </m:e>
-                              </m:d>
-                              <m:sSup>
-                                <m:sSupPr>
-                                  <m:ctrlPr>
-                                    <a:rPr lang="en-US" altLang="zh-CN" i="1">
-                                      <a:solidFill>
-                                        <a:schemeClr val="tx1"/>
-                                      </a:solidFill>
-                                      <a:latin typeface="Cambria Math" panose="02040503050406030204" pitchFamily="18" charset="0"/>
-                                    </a:rPr>
-                                  </m:ctrlPr>
-                                </m:sSupPr>
-                                <m:e>
-                                  <m:r>
-                                    <a:rPr lang="en-US" altLang="zh-CN" i="1">
-                                      <a:solidFill>
-                                        <a:schemeClr val="tx1"/>
-                                      </a:solidFill>
-                                      <a:latin typeface="Cambria Math" panose="02040503050406030204" pitchFamily="18" charset="0"/>
-                                    </a:rPr>
-                                    <m:t>𝑥</m:t>
-                                  </m:r>
-                                </m:e>
-                                <m:sup>
-                                  <m:r>
-                                    <a:rPr lang="en-US" altLang="zh-CN" b="0" i="1" smtClean="0">
-                                      <a:solidFill>
-                                        <a:schemeClr val="tx1"/>
-                                      </a:solidFill>
-                                      <a:latin typeface="Cambria Math" panose="02040503050406030204" pitchFamily="18" charset="0"/>
-                                    </a:rPr>
-                                    <m:t>𝑚</m:t>
-                                  </m:r>
-                                  <m:r>
-                                    <a:rPr lang="en-US" altLang="zh-CN" b="0" i="1" smtClean="0">
-                                      <a:solidFill>
-                                        <a:schemeClr val="tx1"/>
-                                      </a:solidFill>
-                                      <a:latin typeface="Cambria Math" panose="02040503050406030204" pitchFamily="18" charset="0"/>
-                                    </a:rPr>
-                                    <m:t>−</m:t>
-                                  </m:r>
-                                  <m:r>
-                                    <a:rPr lang="en-US" altLang="zh-CN" b="0" i="1" smtClean="0">
-                                      <a:solidFill>
-                                        <a:schemeClr val="tx1"/>
-                                      </a:solidFill>
-                                      <a:latin typeface="Cambria Math" panose="02040503050406030204" pitchFamily="18" charset="0"/>
-                                    </a:rPr>
-                                    <m:t>𝑛</m:t>
-                                  </m:r>
-                                </m:sup>
-                              </m:sSup>
-                              <m:r>
-                                <a:rPr lang="en-US" altLang="zh-CN" i="1">
-                                  <a:solidFill>
-                                    <a:schemeClr val="tx1"/>
-                                  </a:solidFill>
-                                  <a:latin typeface="Cambria Math" panose="02040503050406030204" pitchFamily="18" charset="0"/>
-                                </a:rPr>
-                                <m:t>,</m:t>
-                              </m:r>
-                            </m:e>
-                            <m:e>
-                              <m:r>
-                                <a:rPr lang="en-US" altLang="zh-CN" b="0" i="1" smtClean="0">
-                                  <a:solidFill>
-                                    <a:schemeClr val="tx1"/>
-                                  </a:solidFill>
-                                  <a:latin typeface="Cambria Math" panose="02040503050406030204" pitchFamily="18" charset="0"/>
-                                </a:rPr>
-                                <m:t>𝑛</m:t>
-                              </m:r>
-                              <m:r>
-                                <a:rPr lang="en-US" altLang="zh-CN" i="1">
-                                  <a:solidFill>
-                                    <a:schemeClr val="tx1"/>
-                                  </a:solidFill>
-                                  <a:latin typeface="Cambria Math" panose="02040503050406030204" pitchFamily="18" charset="0"/>
-                                </a:rPr>
-                                <m:t>&lt;</m:t>
-                              </m:r>
-                              <m:r>
-                                <a:rPr lang="en-US" altLang="zh-CN" b="0" i="1" smtClean="0">
-                                  <a:solidFill>
-                                    <a:schemeClr val="tx1"/>
-                                  </a:solidFill>
-                                  <a:latin typeface="Cambria Math" panose="02040503050406030204" pitchFamily="18" charset="0"/>
-                                </a:rPr>
-                                <m:t>𝑚</m:t>
-                              </m:r>
-                              <m:r>
-                                <a:rPr lang="en-US" altLang="zh-CN" i="1">
-                                  <a:solidFill>
-                                    <a:schemeClr val="tx1"/>
-                                  </a:solidFill>
-                                  <a:latin typeface="Cambria Math" panose="02040503050406030204" pitchFamily="18" charset="0"/>
-                                </a:rPr>
-                                <m:t>,</m:t>
-                              </m:r>
-                            </m:e>
-                          </m:mr>
-                          <m:mr>
-                            <m:e>
-                              <m:r>
-                                <a:rPr lang="en-US" altLang="zh-CN" b="0" i="1" smtClean="0">
-                                  <a:solidFill>
-                                    <a:schemeClr val="tx1"/>
-                                  </a:solidFill>
-                                  <a:latin typeface="Cambria Math" panose="02040503050406030204" pitchFamily="18" charset="0"/>
-                                </a:rPr>
-                                <m:t>𝑚</m:t>
-                              </m:r>
-                              <m:r>
-                                <a:rPr lang="en-US" altLang="zh-CN" i="1">
-                                  <a:solidFill>
-                                    <a:schemeClr val="tx1"/>
-                                  </a:solidFill>
-                                  <a:latin typeface="Cambria Math" panose="02040503050406030204" pitchFamily="18" charset="0"/>
-                                </a:rPr>
-                                <m:t>!,</m:t>
-                              </m:r>
-                            </m:e>
-                            <m:e>
-                              <m:r>
-                                <a:rPr lang="en-US" altLang="zh-CN" b="0" i="1" smtClean="0">
-                                  <a:solidFill>
-                                    <a:schemeClr val="tx1"/>
-                                  </a:solidFill>
-                                  <a:latin typeface="Cambria Math" panose="02040503050406030204" pitchFamily="18" charset="0"/>
-                                </a:rPr>
-                                <m:t>𝑛</m:t>
-                              </m:r>
-                              <m:r>
-                                <a:rPr lang="en-US" altLang="zh-CN" i="1">
-                                  <a:solidFill>
-                                    <a:schemeClr val="tx1"/>
-                                  </a:solidFill>
-                                  <a:latin typeface="Cambria Math" panose="02040503050406030204" pitchFamily="18" charset="0"/>
-                                </a:rPr>
-                                <m:t>=</m:t>
-                              </m:r>
-                              <m:r>
-                                <a:rPr lang="en-US" altLang="zh-CN" b="0" i="1" smtClean="0">
-                                  <a:solidFill>
-                                    <a:schemeClr val="tx1"/>
-                                  </a:solidFill>
-                                  <a:latin typeface="Cambria Math" panose="02040503050406030204" pitchFamily="18" charset="0"/>
-                                </a:rPr>
-                                <m:t>𝑚</m:t>
-                              </m:r>
-                              <m:r>
-                                <a:rPr lang="en-US" altLang="zh-CN" b="0" i="1" smtClean="0">
-                                  <a:solidFill>
-                                    <a:schemeClr val="tx1"/>
-                                  </a:solidFill>
-                                  <a:latin typeface="Cambria Math" panose="02040503050406030204" pitchFamily="18" charset="0"/>
-                                </a:rPr>
-                                <m:t>,</m:t>
-                              </m:r>
-                            </m:e>
-                          </m:mr>
-                          <m:mr>
-                            <m:e>
-                              <m:r>
-                                <a:rPr lang="en-US" altLang="zh-CN" i="1">
-                                  <a:solidFill>
-                                    <a:schemeClr val="tx1"/>
-                                  </a:solidFill>
-                                  <a:latin typeface="Cambria Math" panose="02040503050406030204" pitchFamily="18" charset="0"/>
-                                </a:rPr>
-                                <m:t>0,</m:t>
-                              </m:r>
-                            </m:e>
-                            <m:e>
-                              <m:r>
-                                <a:rPr lang="en-US" altLang="zh-CN" b="0" i="1" smtClean="0">
-                                  <a:solidFill>
-                                    <a:schemeClr val="tx1"/>
-                                  </a:solidFill>
-                                  <a:latin typeface="Cambria Math" panose="02040503050406030204" pitchFamily="18" charset="0"/>
-                                </a:rPr>
-                                <m:t>𝑛</m:t>
-                              </m:r>
-                              <m:r>
-                                <a:rPr lang="en-US" altLang="zh-CN" i="1">
-                                  <a:solidFill>
-                                    <a:schemeClr val="tx1"/>
-                                  </a:solidFill>
-                                  <a:latin typeface="Cambria Math" panose="02040503050406030204" pitchFamily="18" charset="0"/>
-                                </a:rPr>
-                                <m:t>&gt;</m:t>
-                              </m:r>
-                              <m:r>
-                                <a:rPr lang="en-US" altLang="zh-CN" b="0" i="1" smtClean="0">
-                                  <a:solidFill>
-                                    <a:schemeClr val="tx1"/>
-                                  </a:solidFill>
-                                  <a:latin typeface="Cambria Math" panose="02040503050406030204" pitchFamily="18" charset="0"/>
-                                </a:rPr>
-                                <m:t>𝑚</m:t>
-                              </m:r>
-                              <m:r>
-                                <a:rPr lang="en-US" altLang="zh-CN" i="1">
-                                  <a:solidFill>
-                                    <a:schemeClr val="tx1"/>
-                                  </a:solidFill>
-                                  <a:latin typeface="Cambria Math" panose="02040503050406030204" pitchFamily="18" charset="0"/>
-                                </a:rPr>
-                                <m:t>.</m:t>
-                              </m:r>
-                            </m:e>
-                          </m:mr>
-                        </m:m>
+                              <m:t>⋯</m:t>
+                            </m:r>
+                            <m:d>
+                              <m:dPr>
+                                <m:ctrlPr>
+                                  <a:rPr lang="en-US" altLang="zh-CN" i="1">
+                                    <a:solidFill>
+                                      <a:schemeClr val="tx1"/>
+                                    </a:solidFill>
+                                    <a:latin typeface="Cambria Math" panose="02040503050406030204" pitchFamily="18" charset="0"/>
+                                  </a:rPr>
+                                </m:ctrlPr>
+                              </m:dPr>
+                              <m:e>
+                                <m:r>
+                                  <a:rPr lang="en-US" altLang="zh-CN" b="0" i="1" smtClean="0">
+                                    <a:solidFill>
+                                      <a:schemeClr val="tx1"/>
+                                    </a:solidFill>
+                                    <a:latin typeface="Cambria Math" panose="02040503050406030204" pitchFamily="18" charset="0"/>
+                                  </a:rPr>
+                                  <m:t>𝑚</m:t>
+                                </m:r>
+                                <m:r>
+                                  <a:rPr lang="en-US" altLang="zh-CN" i="1">
+                                    <a:solidFill>
+                                      <a:schemeClr val="tx1"/>
+                                    </a:solidFill>
+                                    <a:latin typeface="Cambria Math" panose="02040503050406030204" pitchFamily="18" charset="0"/>
+                                  </a:rPr>
+                                  <m:t>−</m:t>
+                                </m:r>
+                                <m:r>
+                                  <a:rPr lang="en-US" altLang="zh-CN" b="0" i="1" smtClean="0">
+                                    <a:solidFill>
+                                      <a:schemeClr val="tx1"/>
+                                    </a:solidFill>
+                                    <a:latin typeface="Cambria Math" panose="02040503050406030204" pitchFamily="18" charset="0"/>
+                                  </a:rPr>
+                                  <m:t>𝑛</m:t>
+                                </m:r>
+                                <m:r>
+                                  <a:rPr lang="en-US" altLang="zh-CN" i="1">
+                                    <a:solidFill>
+                                      <a:schemeClr val="tx1"/>
+                                    </a:solidFill>
+                                    <a:latin typeface="Cambria Math" panose="02040503050406030204" pitchFamily="18" charset="0"/>
+                                  </a:rPr>
+                                  <m:t>+1</m:t>
+                                </m:r>
+                              </m:e>
+                            </m:d>
+                            <m:sSup>
+                              <m:sSupPr>
+                                <m:ctrlPr>
+                                  <a:rPr lang="en-US" altLang="zh-CN" i="1">
+                                    <a:solidFill>
+                                      <a:schemeClr val="tx1"/>
+                                    </a:solidFill>
+                                    <a:latin typeface="Cambria Math" panose="02040503050406030204" pitchFamily="18" charset="0"/>
+                                  </a:rPr>
+                                </m:ctrlPr>
+                              </m:sSupPr>
+                              <m:e>
+                                <m:r>
+                                  <a:rPr lang="en-US" altLang="zh-CN" i="1">
+                                    <a:solidFill>
+                                      <a:schemeClr val="tx1"/>
+                                    </a:solidFill>
+                                    <a:latin typeface="Cambria Math" panose="02040503050406030204" pitchFamily="18" charset="0"/>
+                                  </a:rPr>
+                                  <m:t>𝑥</m:t>
+                                </m:r>
+                              </m:e>
+                              <m:sup>
+                                <m:r>
+                                  <a:rPr lang="en-US" altLang="zh-CN" b="0" i="1" smtClean="0">
+                                    <a:solidFill>
+                                      <a:schemeClr val="tx1"/>
+                                    </a:solidFill>
+                                    <a:latin typeface="Cambria Math" panose="02040503050406030204" pitchFamily="18" charset="0"/>
+                                  </a:rPr>
+                                  <m:t>𝑚</m:t>
+                                </m:r>
+                                <m:r>
+                                  <a:rPr lang="en-US" altLang="zh-CN" b="0" i="1" smtClean="0">
+                                    <a:solidFill>
+                                      <a:schemeClr val="tx1"/>
+                                    </a:solidFill>
+                                    <a:latin typeface="Cambria Math" panose="02040503050406030204" pitchFamily="18" charset="0"/>
+                                  </a:rPr>
+                                  <m:t>−</m:t>
+                                </m:r>
+                                <m:r>
+                                  <a:rPr lang="en-US" altLang="zh-CN" b="0" i="1" smtClean="0">
+                                    <a:solidFill>
+                                      <a:schemeClr val="tx1"/>
+                                    </a:solidFill>
+                                    <a:latin typeface="Cambria Math" panose="02040503050406030204" pitchFamily="18" charset="0"/>
+                                  </a:rPr>
+                                  <m:t>𝑛</m:t>
+                                </m:r>
+                              </m:sup>
+                            </m:sSup>
+                            <m:r>
+                              <a:rPr lang="en-US" altLang="zh-CN" i="1">
+                                <a:solidFill>
+                                  <a:schemeClr val="tx1"/>
+                                </a:solidFill>
+                                <a:latin typeface="Cambria Math" panose="02040503050406030204" pitchFamily="18" charset="0"/>
+                              </a:rPr>
+                              <m:t>,&amp;&amp;</m:t>
+                            </m:r>
+                            <m:r>
+                              <a:rPr lang="en-US" altLang="zh-CN" b="0" i="1" smtClean="0">
+                                <a:solidFill>
+                                  <a:schemeClr val="tx1"/>
+                                </a:solidFill>
+                                <a:latin typeface="Cambria Math" panose="02040503050406030204" pitchFamily="18" charset="0"/>
+                              </a:rPr>
+                              <m:t> </m:t>
+                            </m:r>
+                            <m:r>
+                              <a:rPr lang="en-US" altLang="zh-CN" b="0" i="1" smtClean="0">
+                                <a:solidFill>
+                                  <a:schemeClr val="tx1"/>
+                                </a:solidFill>
+                                <a:latin typeface="Cambria Math" panose="02040503050406030204" pitchFamily="18" charset="0"/>
+                              </a:rPr>
+                              <m:t>𝑛</m:t>
+                            </m:r>
+                            <m:r>
+                              <a:rPr lang="en-US" altLang="zh-CN" i="1">
+                                <a:solidFill>
+                                  <a:schemeClr val="tx1"/>
+                                </a:solidFill>
+                                <a:latin typeface="Cambria Math" panose="02040503050406030204" pitchFamily="18" charset="0"/>
+                              </a:rPr>
+                              <m:t>&lt;</m:t>
+                            </m:r>
+                            <m:r>
+                              <a:rPr lang="en-US" altLang="zh-CN" b="0" i="1" smtClean="0">
+                                <a:solidFill>
+                                  <a:schemeClr val="tx1"/>
+                                </a:solidFill>
+                                <a:latin typeface="Cambria Math" panose="02040503050406030204" pitchFamily="18" charset="0"/>
+                              </a:rPr>
+                              <m:t>𝑚</m:t>
+                            </m:r>
+                            <m:r>
+                              <a:rPr lang="en-US" altLang="zh-CN" i="1">
+                                <a:solidFill>
+                                  <a:schemeClr val="tx1"/>
+                                </a:solidFill>
+                                <a:latin typeface="Cambria Math" panose="02040503050406030204" pitchFamily="18" charset="0"/>
+                              </a:rPr>
+                              <m:t>,</m:t>
+                            </m:r>
+                          </m:e>
+                          <m:e>
+                            <m:r>
+                              <a:rPr lang="en-US" altLang="zh-CN" i="1">
+                                <a:solidFill>
+                                  <a:schemeClr val="tx1"/>
+                                </a:solidFill>
+                                <a:latin typeface="Cambria Math" panose="02040503050406030204" pitchFamily="18" charset="0"/>
+                              </a:rPr>
+                              <m:t>&amp;</m:t>
+                            </m:r>
+                            <m:r>
+                              <a:rPr lang="en-US" altLang="zh-CN" b="0" i="1" smtClean="0">
+                                <a:solidFill>
+                                  <a:schemeClr val="tx1"/>
+                                </a:solidFill>
+                                <a:latin typeface="Cambria Math" panose="02040503050406030204" pitchFamily="18" charset="0"/>
+                              </a:rPr>
+                              <m:t>𝑚</m:t>
+                            </m:r>
+                            <m:r>
+                              <a:rPr lang="en-US" altLang="zh-CN" i="1">
+                                <a:solidFill>
+                                  <a:schemeClr val="tx1"/>
+                                </a:solidFill>
+                                <a:latin typeface="Cambria Math" panose="02040503050406030204" pitchFamily="18" charset="0"/>
+                              </a:rPr>
+                              <m:t>!,&amp;&amp;</m:t>
+                            </m:r>
+                            <m:r>
+                              <a:rPr lang="en-US" altLang="zh-CN" b="0" i="1" smtClean="0">
+                                <a:solidFill>
+                                  <a:schemeClr val="tx1"/>
+                                </a:solidFill>
+                                <a:latin typeface="Cambria Math" panose="02040503050406030204" pitchFamily="18" charset="0"/>
+                              </a:rPr>
+                              <m:t> </m:t>
+                            </m:r>
+                            <m:r>
+                              <a:rPr lang="en-US" altLang="zh-CN" b="0" i="1" smtClean="0">
+                                <a:solidFill>
+                                  <a:schemeClr val="tx1"/>
+                                </a:solidFill>
+                                <a:latin typeface="Cambria Math" panose="02040503050406030204" pitchFamily="18" charset="0"/>
+                              </a:rPr>
+                              <m:t>𝑛</m:t>
+                            </m:r>
+                            <m:r>
+                              <a:rPr lang="en-US" altLang="zh-CN" i="1">
+                                <a:solidFill>
+                                  <a:schemeClr val="tx1"/>
+                                </a:solidFill>
+                                <a:latin typeface="Cambria Math" panose="02040503050406030204" pitchFamily="18" charset="0"/>
+                              </a:rPr>
+                              <m:t>=</m:t>
+                            </m:r>
+                            <m:r>
+                              <a:rPr lang="en-US" altLang="zh-CN" b="0" i="1" smtClean="0">
+                                <a:solidFill>
+                                  <a:schemeClr val="tx1"/>
+                                </a:solidFill>
+                                <a:latin typeface="Cambria Math" panose="02040503050406030204" pitchFamily="18" charset="0"/>
+                              </a:rPr>
+                              <m:t>𝑚</m:t>
+                            </m:r>
+                            <m:r>
+                              <a:rPr lang="en-US" altLang="zh-CN" b="0" i="1" smtClean="0">
+                                <a:solidFill>
+                                  <a:schemeClr val="tx1"/>
+                                </a:solidFill>
+                                <a:latin typeface="Cambria Math" panose="02040503050406030204" pitchFamily="18" charset="0"/>
+                              </a:rPr>
+                              <m:t>,</m:t>
+                            </m:r>
+                          </m:e>
+                          <m:e>
+                            <m:r>
+                              <a:rPr lang="en-US" altLang="zh-CN" b="0" i="1" smtClean="0">
+                                <a:solidFill>
+                                  <a:schemeClr val="tx1"/>
+                                </a:solidFill>
+                                <a:latin typeface="Cambria Math" panose="02040503050406030204" pitchFamily="18" charset="0"/>
+                              </a:rPr>
+                              <m:t>&amp;</m:t>
+                            </m:r>
+                            <m:r>
+                              <a:rPr lang="en-US" altLang="zh-CN" i="1">
+                                <a:solidFill>
+                                  <a:schemeClr val="tx1"/>
+                                </a:solidFill>
+                                <a:latin typeface="Cambria Math" panose="02040503050406030204" pitchFamily="18" charset="0"/>
+                              </a:rPr>
+                              <m:t>0,&amp;&amp;</m:t>
+                            </m:r>
+                            <m:r>
+                              <a:rPr lang="en-US" altLang="zh-CN" b="0" i="1" smtClean="0">
+                                <a:solidFill>
+                                  <a:schemeClr val="tx1"/>
+                                </a:solidFill>
+                                <a:latin typeface="Cambria Math" panose="02040503050406030204" pitchFamily="18" charset="0"/>
+                              </a:rPr>
+                              <m:t> </m:t>
+                            </m:r>
+                            <m:r>
+                              <a:rPr lang="en-US" altLang="zh-CN" b="0" i="1" smtClean="0">
+                                <a:solidFill>
+                                  <a:schemeClr val="tx1"/>
+                                </a:solidFill>
+                                <a:latin typeface="Cambria Math" panose="02040503050406030204" pitchFamily="18" charset="0"/>
+                              </a:rPr>
+                              <m:t>𝑛</m:t>
+                            </m:r>
+                            <m:r>
+                              <a:rPr lang="en-US" altLang="zh-CN" i="1">
+                                <a:solidFill>
+                                  <a:schemeClr val="tx1"/>
+                                </a:solidFill>
+                                <a:latin typeface="Cambria Math" panose="02040503050406030204" pitchFamily="18" charset="0"/>
+                              </a:rPr>
+                              <m:t>&gt;</m:t>
+                            </m:r>
+                            <m:r>
+                              <a:rPr lang="en-US" altLang="zh-CN" b="0" i="1" smtClean="0">
+                                <a:solidFill>
+                                  <a:schemeClr val="tx1"/>
+                                </a:solidFill>
+                                <a:latin typeface="Cambria Math" panose="02040503050406030204" pitchFamily="18" charset="0"/>
+                              </a:rPr>
+                              <m:t>𝑚</m:t>
+                            </m:r>
+                            <m:r>
+                              <a:rPr lang="en-US" altLang="zh-CN" i="1">
+                                <a:solidFill>
+                                  <a:schemeClr val="tx1"/>
+                                </a:solidFill>
+                                <a:latin typeface="Cambria Math" panose="02040503050406030204" pitchFamily="18" charset="0"/>
+                              </a:rPr>
+                              <m:t>.</m:t>
+                            </m:r>
+                          </m:e>
+                        </m:eqArr>
                       </m:e>
                     </m:d>
                   </m:oMath>
@@ -31688,7 +31741,7 @@
             </p:txBody>
           </p:sp>
         </mc:Choice>
-        <mc:Fallback xmlns="">
+        <mc:Fallback>
           <p:sp>
             <p:nvSpPr>
               <p:cNvPr id="4" name="文本占位符 3"/>
